--- a/doc/java/slides/week5.pptx
+++ b/doc/java/slides/week5.pptx
@@ -2,7 +2,7 @@
 <file path=ppt/presentation.xml><?xml version="1.0" encoding="utf-8"?>
 <p:presentation xmlns:a="http://schemas.openxmlformats.org/drawingml/2006/main" xmlns:r="http://schemas.openxmlformats.org/officeDocument/2006/relationships" xmlns:p="http://schemas.openxmlformats.org/presentationml/2006/main" saveSubsetFonts="1">
   <p:sldMasterIdLst>
-    <p:sldMasterId id="2147483648" r:id="rId1"/>
+    <p:sldMasterId id="2147484247" r:id="rId1"/>
   </p:sldMasterIdLst>
   <p:sldIdLst>
     <p:sldId id="256" r:id="rId2"/>
@@ -12,6 +12,13 @@
     <p:sldId id="260" r:id="rId6"/>
     <p:sldId id="261" r:id="rId7"/>
     <p:sldId id="262" r:id="rId8"/>
+    <p:sldId id="263" r:id="rId9"/>
+    <p:sldId id="264" r:id="rId10"/>
+    <p:sldId id="265" r:id="rId11"/>
+    <p:sldId id="266" r:id="rId12"/>
+    <p:sldId id="267" r:id="rId13"/>
+    <p:sldId id="268" r:id="rId14"/>
+    <p:sldId id="269" r:id="rId15"/>
   </p:sldIdLst>
   <p:sldSz cx="12192000" cy="6858000"/>
   <p:notesSz cx="6858000" cy="9144000"/>
@@ -110,6 +117,11 @@
       </a:defRPr>
     </a:lvl9pPr>
   </p:defaultTextStyle>
+  <p:extLst>
+    <p:ext uri="{EFAFB233-063F-42B5-8137-9DF3F51BA10A}">
+      <p15:sldGuideLst xmlns:p15="http://schemas.microsoft.com/office/powerpoint/2012/main"/>
+    </p:ext>
+  </p:extLst>
 </p:presentation>
 </file>
 
@@ -142,15 +154,17 @@
         </p:nvSpPr>
         <p:spPr>
           <a:xfrm>
-            <a:off x="1524000" y="1122363"/>
-            <a:ext cx="9144000" cy="2387600"/>
+            <a:off x="1675249" y="1524000"/>
+            <a:ext cx="8841503" cy="3200400"/>
           </a:xfrm>
         </p:spPr>
         <p:txBody>
-          <a:bodyPr anchor="b"/>
+          <a:bodyPr>
+            <a:noAutofit/>
+          </a:bodyPr>
           <a:lstStyle>
-            <a:lvl1pPr algn="ctr">
-              <a:defRPr sz="6000"/>
+            <a:lvl1pPr>
+              <a:defRPr sz="5400"/>
             </a:lvl1pPr>
           </a:lstStyle>
           <a:p>
@@ -158,7 +172,7 @@
               <a:rPr lang="en-US" smtClean="0"/>
               <a:t>Click to edit Master title style</a:t>
             </a:r>
-            <a:endParaRPr lang="en-US"/>
+            <a:endParaRPr/>
           </a:p>
         </p:txBody>
       </p:sp>
@@ -174,48 +188,107 @@
         </p:nvSpPr>
         <p:spPr>
           <a:xfrm>
-            <a:off x="1524000" y="3602038"/>
-            <a:ext cx="9144000" cy="1655762"/>
+            <a:off x="1675250" y="4876800"/>
+            <a:ext cx="7164665" cy="990600"/>
           </a:xfrm>
         </p:spPr>
         <p:txBody>
-          <a:bodyPr/>
+          <a:bodyPr lIns="91440">
+            <a:normAutofit/>
+          </a:bodyPr>
           <a:lstStyle>
-            <a:lvl1pPr marL="0" indent="0" algn="ctr">
-              <a:buNone/>
-              <a:defRPr sz="2400"/>
+            <a:lvl1pPr marL="0" indent="0" algn="l">
+              <a:spcBef>
+                <a:spcPts val="0"/>
+              </a:spcBef>
+              <a:buNone/>
+              <a:defRPr sz="2000" cap="all" spc="250" baseline="0">
+                <a:solidFill>
+                  <a:schemeClr val="bg2">
+                    <a:lumMod val="75000"/>
+                  </a:schemeClr>
+                </a:solidFill>
+              </a:defRPr>
             </a:lvl1pPr>
             <a:lvl2pPr marL="457200" indent="0" algn="ctr">
               <a:buNone/>
-              <a:defRPr sz="2000"/>
+              <a:defRPr>
+                <a:solidFill>
+                  <a:schemeClr val="tx1">
+                    <a:tint val="75000"/>
+                  </a:schemeClr>
+                </a:solidFill>
+              </a:defRPr>
             </a:lvl2pPr>
             <a:lvl3pPr marL="914400" indent="0" algn="ctr">
               <a:buNone/>
-              <a:defRPr sz="1800"/>
+              <a:defRPr>
+                <a:solidFill>
+                  <a:schemeClr val="tx1">
+                    <a:tint val="75000"/>
+                  </a:schemeClr>
+                </a:solidFill>
+              </a:defRPr>
             </a:lvl3pPr>
             <a:lvl4pPr marL="1371600" indent="0" algn="ctr">
               <a:buNone/>
-              <a:defRPr sz="1600"/>
+              <a:defRPr>
+                <a:solidFill>
+                  <a:schemeClr val="tx1">
+                    <a:tint val="75000"/>
+                  </a:schemeClr>
+                </a:solidFill>
+              </a:defRPr>
             </a:lvl4pPr>
             <a:lvl5pPr marL="1828800" indent="0" algn="ctr">
               <a:buNone/>
-              <a:defRPr sz="1600"/>
+              <a:defRPr>
+                <a:solidFill>
+                  <a:schemeClr val="tx1">
+                    <a:tint val="75000"/>
+                  </a:schemeClr>
+                </a:solidFill>
+              </a:defRPr>
             </a:lvl5pPr>
             <a:lvl6pPr marL="2286000" indent="0" algn="ctr">
               <a:buNone/>
-              <a:defRPr sz="1600"/>
+              <a:defRPr>
+                <a:solidFill>
+                  <a:schemeClr val="tx1">
+                    <a:tint val="75000"/>
+                  </a:schemeClr>
+                </a:solidFill>
+              </a:defRPr>
             </a:lvl6pPr>
             <a:lvl7pPr marL="2743200" indent="0" algn="ctr">
               <a:buNone/>
-              <a:defRPr sz="1600"/>
+              <a:defRPr>
+                <a:solidFill>
+                  <a:schemeClr val="tx1">
+                    <a:tint val="75000"/>
+                  </a:schemeClr>
+                </a:solidFill>
+              </a:defRPr>
             </a:lvl7pPr>
             <a:lvl8pPr marL="3200400" indent="0" algn="ctr">
               <a:buNone/>
-              <a:defRPr sz="1600"/>
+              <a:defRPr>
+                <a:solidFill>
+                  <a:schemeClr val="tx1">
+                    <a:tint val="75000"/>
+                  </a:schemeClr>
+                </a:solidFill>
+              </a:defRPr>
             </a:lvl8pPr>
             <a:lvl9pPr marL="3657600" indent="0" algn="ctr">
               <a:buNone/>
-              <a:defRPr sz="1600"/>
+              <a:defRPr>
+                <a:solidFill>
+                  <a:schemeClr val="tx1">
+                    <a:tint val="75000"/>
+                  </a:schemeClr>
+                </a:solidFill>
+              </a:defRPr>
             </a:lvl9pPr>
           </a:lstStyle>
           <a:p>
@@ -223,89 +296,446 @@
               <a:rPr lang="en-US" smtClean="0"/>
               <a:t>Click to edit Master subtitle style</a:t>
             </a:r>
-            <a:endParaRPr lang="en-US"/>
-          </a:p>
-        </p:txBody>
-      </p:sp>
-      <p:sp>
-        <p:nvSpPr>
-          <p:cNvPr id="4" name="Date Placeholder 3"/>
-          <p:cNvSpPr>
-            <a:spLocks noGrp="1"/>
-          </p:cNvSpPr>
-          <p:nvPr>
-            <p:ph type="dt" sz="half" idx="10"/>
-          </p:nvPr>
-        </p:nvSpPr>
-        <p:spPr/>
-        <p:txBody>
-          <a:bodyPr/>
-          <a:lstStyle/>
-          <a:p>
-            <a:fld id="{DFB0194B-2825-408F-B5FA-3ED95FC4D2C0}" type="datetimeFigureOut">
-              <a:rPr lang="en-US" smtClean="0"/>
-              <a:t>11/8/2018</a:t>
-            </a:fld>
-            <a:endParaRPr lang="en-US"/>
-          </a:p>
-        </p:txBody>
-      </p:sp>
-      <p:sp>
-        <p:nvSpPr>
-          <p:cNvPr id="5" name="Footer Placeholder 4"/>
-          <p:cNvSpPr>
-            <a:spLocks noGrp="1"/>
-          </p:cNvSpPr>
-          <p:nvPr>
-            <p:ph type="ftr" sz="quarter" idx="11"/>
-          </p:nvPr>
-        </p:nvSpPr>
-        <p:spPr/>
-        <p:txBody>
-          <a:bodyPr/>
-          <a:lstStyle/>
-          <a:p>
-            <a:endParaRPr lang="en-US"/>
-          </a:p>
-        </p:txBody>
-      </p:sp>
-      <p:sp>
-        <p:nvSpPr>
-          <p:cNvPr id="6" name="Slide Number Placeholder 5"/>
-          <p:cNvSpPr>
-            <a:spLocks noGrp="1"/>
-          </p:cNvSpPr>
-          <p:nvPr>
-            <p:ph type="sldNum" sz="quarter" idx="12"/>
-          </p:nvPr>
-        </p:nvSpPr>
-        <p:spPr/>
-        <p:txBody>
-          <a:bodyPr/>
-          <a:lstStyle/>
-          <a:p>
-            <a:fld id="{22177795-0C2D-417E-A443-41965917A41E}" type="slidenum">
-              <a:rPr lang="en-US" smtClean="0"/>
-              <a:t>‹#›</a:t>
-            </a:fld>
-            <a:endParaRPr lang="en-US"/>
+            <a:endParaRPr/>
           </a:p>
         </p:txBody>
       </p:sp>
     </p:spTree>
     <p:extLst>
       <p:ext uri="{BB962C8B-B14F-4D97-AF65-F5344CB8AC3E}">
-        <p14:creationId xmlns:p14="http://schemas.microsoft.com/office/powerpoint/2010/main" val="571334426"/>
+        <p14:creationId xmlns:p14="http://schemas.microsoft.com/office/powerpoint/2010/main" val="1841708914"/>
       </p:ext>
     </p:extLst>
   </p:cSld>
   <p:clrMapOvr>
     <a:masterClrMapping/>
   </p:clrMapOvr>
+  <mc:AlternateContent xmlns:mc="http://schemas.openxmlformats.org/markup-compatibility/2006" xmlns:p14="http://schemas.microsoft.com/office/powerpoint/2010/main">
+    <mc:Choice Requires="p14">
+      <p:transition spd="med" p14:dur="700">
+        <p:fade/>
+      </p:transition>
+    </mc:Choice>
+    <mc:Fallback xmlns="">
+      <p:transition spd="med">
+        <p:fade/>
+      </p:transition>
+    </mc:Fallback>
+  </mc:AlternateContent>
+  <p:extLst>
+    <p:ext uri="{DCECCB84-F9BA-43D5-87BE-67443E8EF086}">
+      <p15:sldGuideLst xmlns:p15="http://schemas.microsoft.com/office/powerpoint/2012/main"/>
+    </p:ext>
+  </p:extLst>
 </p:sldLayout>
 </file>
 
 <file path=ppt/slideLayouts/slideLayout10.xml><?xml version="1.0" encoding="utf-8"?>
+<p:sldLayout xmlns:a="http://schemas.openxmlformats.org/drawingml/2006/main" xmlns:r="http://schemas.openxmlformats.org/officeDocument/2006/relationships" xmlns:p="http://schemas.openxmlformats.org/presentationml/2006/main" type="picTx" preserve="1">
+  <p:cSld name="Alternate Picture with Caption">
+    <p:spTree>
+      <p:nvGrpSpPr>
+        <p:cNvPr id="1" name=""/>
+        <p:cNvGrpSpPr/>
+        <p:nvPr/>
+      </p:nvGrpSpPr>
+      <p:grpSpPr>
+        <a:xfrm>
+          <a:off x="0" y="0"/>
+          <a:ext cx="0" cy="0"/>
+          <a:chOff x="0" y="0"/>
+          <a:chExt cx="0" cy="0"/>
+        </a:xfrm>
+      </p:grpSpPr>
+      <p:sp>
+        <p:nvSpPr>
+          <p:cNvPr id="10" name="Rectangle 9"/>
+          <p:cNvSpPr/>
+          <p:nvPr/>
+        </p:nvSpPr>
+        <p:spPr>
+          <a:xfrm>
+            <a:off x="5394777" y="0"/>
+            <a:ext cx="6797222" cy="6858000"/>
+          </a:xfrm>
+          <a:prstGeom prst="rect">
+            <a:avLst/>
+          </a:prstGeom>
+          <a:solidFill>
+            <a:schemeClr val="bg2">
+              <a:alpha val="50000"/>
+            </a:schemeClr>
+          </a:solidFill>
+          <a:ln>
+            <a:noFill/>
+          </a:ln>
+        </p:spPr>
+        <p:style>
+          <a:lnRef idx="2">
+            <a:schemeClr val="accent1">
+              <a:shade val="50000"/>
+            </a:schemeClr>
+          </a:lnRef>
+          <a:fillRef idx="1">
+            <a:schemeClr val="accent1"/>
+          </a:fillRef>
+          <a:effectRef idx="0">
+            <a:schemeClr val="accent1"/>
+          </a:effectRef>
+          <a:fontRef idx="minor">
+            <a:schemeClr val="lt1"/>
+          </a:fontRef>
+        </p:style>
+        <p:txBody>
+          <a:bodyPr rtlCol="0" anchor="ctr"/>
+          <a:lstStyle/>
+          <a:p>
+            <a:pPr lvl="0" algn="ctr"/>
+            <a:endParaRPr sz="1800"/>
+          </a:p>
+        </p:txBody>
+      </p:sp>
+      <p:sp>
+        <p:nvSpPr>
+          <p:cNvPr id="11" name="Rectangle 10"/>
+          <p:cNvSpPr/>
+          <p:nvPr/>
+        </p:nvSpPr>
+        <p:spPr>
+          <a:xfrm>
+            <a:off x="5486241" y="0"/>
+            <a:ext cx="6705758" cy="6858000"/>
+          </a:xfrm>
+          <a:prstGeom prst="rect">
+            <a:avLst/>
+          </a:prstGeom>
+          <a:solidFill>
+            <a:schemeClr val="accent2">
+              <a:lumMod val="75000"/>
+              <a:alpha val="72000"/>
+            </a:schemeClr>
+          </a:solidFill>
+          <a:ln>
+            <a:noFill/>
+          </a:ln>
+        </p:spPr>
+        <p:style>
+          <a:lnRef idx="2">
+            <a:schemeClr val="accent1">
+              <a:shade val="50000"/>
+            </a:schemeClr>
+          </a:lnRef>
+          <a:fillRef idx="1">
+            <a:schemeClr val="accent1"/>
+          </a:fillRef>
+          <a:effectRef idx="0">
+            <a:schemeClr val="accent1"/>
+          </a:effectRef>
+          <a:fontRef idx="minor">
+            <a:schemeClr val="lt1"/>
+          </a:fontRef>
+        </p:style>
+        <p:txBody>
+          <a:bodyPr rtlCol="0" anchor="ctr"/>
+          <a:lstStyle/>
+          <a:p>
+            <a:pPr lvl="0" algn="ctr"/>
+            <a:endParaRPr sz="1800"/>
+          </a:p>
+        </p:txBody>
+      </p:sp>
+      <p:sp>
+        <p:nvSpPr>
+          <p:cNvPr id="2" name="Title 1"/>
+          <p:cNvSpPr>
+            <a:spLocks noGrp="1"/>
+          </p:cNvSpPr>
+          <p:nvPr>
+            <p:ph type="title"/>
+          </p:nvPr>
+        </p:nvSpPr>
+        <p:spPr>
+          <a:xfrm>
+            <a:off x="608171" y="685800"/>
+            <a:ext cx="4268312" cy="3886200"/>
+          </a:xfrm>
+        </p:spPr>
+        <p:txBody>
+          <a:bodyPr anchor="b">
+            <a:noAutofit/>
+          </a:bodyPr>
+          <a:lstStyle>
+            <a:lvl1pPr algn="l">
+              <a:defRPr sz="4000" b="0"/>
+            </a:lvl1pPr>
+          </a:lstStyle>
+          <a:p>
+            <a:r>
+              <a:rPr lang="en-US" smtClean="0"/>
+              <a:t>Click to edit Master title style</a:t>
+            </a:r>
+            <a:endParaRPr/>
+          </a:p>
+        </p:txBody>
+      </p:sp>
+      <p:sp>
+        <p:nvSpPr>
+          <p:cNvPr id="4" name="Text Placeholder 3"/>
+          <p:cNvSpPr>
+            <a:spLocks noGrp="1"/>
+          </p:cNvSpPr>
+          <p:nvPr>
+            <p:ph type="body" sz="half" idx="2"/>
+          </p:nvPr>
+        </p:nvSpPr>
+        <p:spPr>
+          <a:xfrm>
+            <a:off x="608171" y="4724400"/>
+            <a:ext cx="4268312" cy="1447800"/>
+          </a:xfrm>
+        </p:spPr>
+        <p:txBody>
+          <a:bodyPr>
+            <a:normAutofit/>
+          </a:bodyPr>
+          <a:lstStyle>
+            <a:lvl1pPr marL="0" indent="0">
+              <a:spcBef>
+                <a:spcPts val="1200"/>
+              </a:spcBef>
+              <a:buNone/>
+              <a:defRPr sz="2000"/>
+            </a:lvl1pPr>
+            <a:lvl2pPr marL="457200" indent="0">
+              <a:buNone/>
+              <a:defRPr sz="1200"/>
+            </a:lvl2pPr>
+            <a:lvl3pPr marL="914400" indent="0">
+              <a:buNone/>
+              <a:defRPr sz="1000"/>
+            </a:lvl3pPr>
+            <a:lvl4pPr marL="1371600" indent="0">
+              <a:buNone/>
+              <a:defRPr sz="900"/>
+            </a:lvl4pPr>
+            <a:lvl5pPr marL="1828800" indent="0">
+              <a:buNone/>
+              <a:defRPr sz="900"/>
+            </a:lvl5pPr>
+            <a:lvl6pPr marL="2286000" indent="0">
+              <a:buNone/>
+              <a:defRPr sz="900"/>
+            </a:lvl6pPr>
+            <a:lvl7pPr marL="2743200" indent="0">
+              <a:buNone/>
+              <a:defRPr sz="900"/>
+            </a:lvl7pPr>
+            <a:lvl8pPr marL="3200400" indent="0">
+              <a:buNone/>
+              <a:defRPr sz="900"/>
+            </a:lvl8pPr>
+            <a:lvl9pPr marL="3657600" indent="0">
+              <a:buNone/>
+              <a:defRPr sz="900"/>
+            </a:lvl9pPr>
+          </a:lstStyle>
+          <a:p>
+            <a:pPr lvl="0"/>
+            <a:r>
+              <a:rPr lang="en-US" smtClean="0"/>
+              <a:t>Edit Master text styles</a:t>
+            </a:r>
+          </a:p>
+        </p:txBody>
+      </p:sp>
+      <p:sp>
+        <p:nvSpPr>
+          <p:cNvPr id="3" name="Picture Placeholder 2" descr="An empty placeholder to add an image. Click on the placeholder and select the image that you wish to add.&#10;"/>
+          <p:cNvSpPr>
+            <a:spLocks noGrp="1"/>
+          </p:cNvSpPr>
+          <p:nvPr>
+            <p:ph type="pic" idx="1"/>
+          </p:nvPr>
+        </p:nvSpPr>
+        <p:spPr>
+          <a:xfrm>
+            <a:off x="6096001" y="685800"/>
+            <a:ext cx="5487829" cy="5486400"/>
+          </a:xfrm>
+          <a:solidFill>
+            <a:schemeClr val="tx2">
+              <a:lumMod val="10000"/>
+            </a:schemeClr>
+          </a:solidFill>
+          <a:ln w="50800">
+            <a:solidFill>
+              <a:schemeClr val="tx1"/>
+            </a:solidFill>
+            <a:miter lim="800000"/>
+          </a:ln>
+          <a:effectLst>
+            <a:outerShdw blurRad="190500" algn="ctr" rotWithShape="0">
+              <a:prstClr val="black">
+                <a:alpha val="50000"/>
+              </a:prstClr>
+            </a:outerShdw>
+          </a:effectLst>
+        </p:spPr>
+        <p:txBody>
+          <a:bodyPr>
+            <a:normAutofit/>
+          </a:bodyPr>
+          <a:lstStyle>
+            <a:lvl1pPr marL="0" indent="0" algn="ctr">
+              <a:buNone/>
+              <a:defRPr sz="2400"/>
+            </a:lvl1pPr>
+            <a:lvl2pPr marL="457200" indent="0">
+              <a:buNone/>
+              <a:defRPr sz="2800"/>
+            </a:lvl2pPr>
+            <a:lvl3pPr marL="914400" indent="0">
+              <a:buNone/>
+              <a:defRPr sz="2400"/>
+            </a:lvl3pPr>
+            <a:lvl4pPr marL="1371600" indent="0">
+              <a:buNone/>
+              <a:defRPr sz="2000"/>
+            </a:lvl4pPr>
+            <a:lvl5pPr marL="1828800" indent="0">
+              <a:buNone/>
+              <a:defRPr sz="2000"/>
+            </a:lvl5pPr>
+            <a:lvl6pPr marL="2286000" indent="0">
+              <a:buNone/>
+              <a:defRPr sz="2000"/>
+            </a:lvl6pPr>
+            <a:lvl7pPr marL="2743200" indent="0">
+              <a:buNone/>
+              <a:defRPr sz="2000"/>
+            </a:lvl7pPr>
+            <a:lvl8pPr marL="3200400" indent="0">
+              <a:buNone/>
+              <a:defRPr sz="2000"/>
+            </a:lvl8pPr>
+            <a:lvl9pPr marL="3657600" indent="0">
+              <a:buNone/>
+              <a:defRPr sz="2000"/>
+            </a:lvl9pPr>
+          </a:lstStyle>
+          <a:p>
+            <a:r>
+              <a:rPr lang="en-US" smtClean="0"/>
+              <a:t>Click icon to add picture</a:t>
+            </a:r>
+            <a:endParaRPr/>
+          </a:p>
+        </p:txBody>
+      </p:sp>
+      <p:sp>
+        <p:nvSpPr>
+          <p:cNvPr id="6" name="Footer Placeholder 5"/>
+          <p:cNvSpPr>
+            <a:spLocks noGrp="1"/>
+          </p:cNvSpPr>
+          <p:nvPr>
+            <p:ph type="ftr" sz="quarter" idx="11"/>
+          </p:nvPr>
+        </p:nvSpPr>
+        <p:spPr/>
+        <p:txBody>
+          <a:bodyPr/>
+          <a:lstStyle>
+            <a:lvl1pPr>
+              <a:defRPr sz="1100"/>
+            </a:lvl1pPr>
+          </a:lstStyle>
+          <a:p>
+            <a:endParaRPr lang="en-US"/>
+          </a:p>
+        </p:txBody>
+      </p:sp>
+      <p:sp>
+        <p:nvSpPr>
+          <p:cNvPr id="5" name="Date Placeholder 4"/>
+          <p:cNvSpPr>
+            <a:spLocks noGrp="1"/>
+          </p:cNvSpPr>
+          <p:nvPr>
+            <p:ph type="dt" sz="half" idx="10"/>
+          </p:nvPr>
+        </p:nvSpPr>
+        <p:spPr/>
+        <p:txBody>
+          <a:bodyPr/>
+          <a:lstStyle>
+            <a:lvl1pPr>
+              <a:defRPr sz="1100"/>
+            </a:lvl1pPr>
+          </a:lstStyle>
+          <a:p>
+            <a:fld id="{DFB0194B-2825-408F-B5FA-3ED95FC4D2C0}" type="datetimeFigureOut">
+              <a:rPr lang="en-US" smtClean="0"/>
+              <a:t>11/14/2018</a:t>
+            </a:fld>
+            <a:endParaRPr lang="en-US"/>
+          </a:p>
+        </p:txBody>
+      </p:sp>
+      <p:sp>
+        <p:nvSpPr>
+          <p:cNvPr id="7" name="Slide Number Placeholder 6"/>
+          <p:cNvSpPr>
+            <a:spLocks noGrp="1"/>
+          </p:cNvSpPr>
+          <p:nvPr>
+            <p:ph type="sldNum" sz="quarter" idx="12"/>
+          </p:nvPr>
+        </p:nvSpPr>
+        <p:spPr/>
+        <p:txBody>
+          <a:bodyPr/>
+          <a:lstStyle>
+            <a:lvl1pPr>
+              <a:defRPr sz="1100"/>
+            </a:lvl1pPr>
+          </a:lstStyle>
+          <a:p>
+            <a:fld id="{22177795-0C2D-417E-A443-41965917A41E}" type="slidenum">
+              <a:rPr lang="en-US" smtClean="0"/>
+              <a:t>‹#›</a:t>
+            </a:fld>
+            <a:endParaRPr lang="en-US"/>
+          </a:p>
+        </p:txBody>
+      </p:sp>
+    </p:spTree>
+    <p:extLst>
+      <p:ext uri="{BB962C8B-B14F-4D97-AF65-F5344CB8AC3E}">
+        <p14:creationId xmlns:p14="http://schemas.microsoft.com/office/powerpoint/2010/main" val="2368421155"/>
+      </p:ext>
+    </p:extLst>
+  </p:cSld>
+  <p:clrMapOvr>
+    <a:masterClrMapping/>
+  </p:clrMapOvr>
+  <mc:AlternateContent xmlns:mc="http://schemas.openxmlformats.org/markup-compatibility/2006" xmlns:p14="http://schemas.microsoft.com/office/powerpoint/2010/main">
+    <mc:Choice Requires="p14">
+      <p:transition spd="med" p14:dur="700">
+        <p:fade/>
+      </p:transition>
+    </mc:Choice>
+    <mc:Fallback xmlns="">
+      <p:transition spd="med">
+        <p:fade/>
+      </p:transition>
+    </mc:Fallback>
+  </mc:AlternateContent>
+</p:sldLayout>
+</file>
+
+<file path=ppt/slideLayouts/slideLayout11.xml><?xml version="1.0" encoding="utf-8"?>
 <p:sldLayout xmlns:a="http://schemas.openxmlformats.org/drawingml/2006/main" xmlns:r="http://schemas.openxmlformats.org/officeDocument/2006/relationships" xmlns:p="http://schemas.openxmlformats.org/presentationml/2006/main" type="vertTx" preserve="1">
   <p:cSld name="Title and Vertical Text">
     <p:spTree>
@@ -341,64 +771,103 @@
               <a:rPr lang="en-US" smtClean="0"/>
               <a:t>Click to edit Master title style</a:t>
             </a:r>
+            <a:endParaRPr/>
+          </a:p>
+        </p:txBody>
+      </p:sp>
+      <p:sp>
+        <p:nvSpPr>
+          <p:cNvPr id="3" name="Vertical Text Placeholder 2"/>
+          <p:cNvSpPr>
+            <a:spLocks noGrp="1"/>
+          </p:cNvSpPr>
+          <p:nvPr>
+            <p:ph type="body" orient="vert" idx="1"/>
+          </p:nvPr>
+        </p:nvSpPr>
+        <p:spPr/>
+        <p:txBody>
+          <a:bodyPr vert="eaVert"/>
+          <a:lstStyle>
+            <a:lvl5pPr>
+              <a:defRPr/>
+            </a:lvl5pPr>
+            <a:lvl6pPr>
+              <a:defRPr/>
+            </a:lvl6pPr>
+            <a:lvl7pPr>
+              <a:defRPr/>
+            </a:lvl7pPr>
+            <a:lvl8pPr>
+              <a:defRPr baseline="0"/>
+            </a:lvl8pPr>
+            <a:lvl9pPr>
+              <a:defRPr baseline="0"/>
+            </a:lvl9pPr>
+          </a:lstStyle>
+          <a:p>
+            <a:pPr lvl="0"/>
+            <a:r>
+              <a:rPr lang="en-US" smtClean="0"/>
+              <a:t>Edit Master text styles</a:t>
+            </a:r>
+          </a:p>
+          <a:p>
+            <a:pPr lvl="1"/>
+            <a:r>
+              <a:rPr lang="en-US" smtClean="0"/>
+              <a:t>Second level</a:t>
+            </a:r>
+          </a:p>
+          <a:p>
+            <a:pPr lvl="2"/>
+            <a:r>
+              <a:rPr lang="en-US" smtClean="0"/>
+              <a:t>Third level</a:t>
+            </a:r>
+          </a:p>
+          <a:p>
+            <a:pPr lvl="3"/>
+            <a:r>
+              <a:rPr lang="en-US" smtClean="0"/>
+              <a:t>Fourth level</a:t>
+            </a:r>
+          </a:p>
+          <a:p>
+            <a:pPr lvl="4"/>
+            <a:r>
+              <a:rPr lang="en-US" smtClean="0"/>
+              <a:t>Fifth level</a:t>
+            </a:r>
+            <a:endParaRPr/>
+          </a:p>
+        </p:txBody>
+      </p:sp>
+      <p:sp>
+        <p:nvSpPr>
+          <p:cNvPr id="5" name="Footer Placeholder 4"/>
+          <p:cNvSpPr>
+            <a:spLocks noGrp="1"/>
+          </p:cNvSpPr>
+          <p:nvPr>
+            <p:ph type="ftr" sz="quarter" idx="11"/>
+          </p:nvPr>
+        </p:nvSpPr>
+        <p:spPr/>
+        <p:txBody>
+          <a:bodyPr/>
+          <a:lstStyle>
+            <a:lvl1pPr>
+              <a:defRPr sz="1100"/>
+            </a:lvl1pPr>
+          </a:lstStyle>
+          <a:p>
             <a:endParaRPr lang="en-US"/>
           </a:p>
         </p:txBody>
       </p:sp>
       <p:sp>
         <p:nvSpPr>
-          <p:cNvPr id="3" name="Vertical Text Placeholder 2"/>
-          <p:cNvSpPr>
-            <a:spLocks noGrp="1"/>
-          </p:cNvSpPr>
-          <p:nvPr>
-            <p:ph type="body" orient="vert" idx="1"/>
-          </p:nvPr>
-        </p:nvSpPr>
-        <p:spPr/>
-        <p:txBody>
-          <a:bodyPr vert="eaVert"/>
-          <a:lstStyle/>
-          <a:p>
-            <a:pPr lvl="0"/>
-            <a:r>
-              <a:rPr lang="en-US" smtClean="0"/>
-              <a:t>Edit Master text styles</a:t>
-            </a:r>
-          </a:p>
-          <a:p>
-            <a:pPr lvl="1"/>
-            <a:r>
-              <a:rPr lang="en-US" smtClean="0"/>
-              <a:t>Second level</a:t>
-            </a:r>
-          </a:p>
-          <a:p>
-            <a:pPr lvl="2"/>
-            <a:r>
-              <a:rPr lang="en-US" smtClean="0"/>
-              <a:t>Third level</a:t>
-            </a:r>
-          </a:p>
-          <a:p>
-            <a:pPr lvl="3"/>
-            <a:r>
-              <a:rPr lang="en-US" smtClean="0"/>
-              <a:t>Fourth level</a:t>
-            </a:r>
-          </a:p>
-          <a:p>
-            <a:pPr lvl="4"/>
-            <a:r>
-              <a:rPr lang="en-US" smtClean="0"/>
-              <a:t>Fifth level</a:t>
-            </a:r>
-            <a:endParaRPr lang="en-US"/>
-          </a:p>
-        </p:txBody>
-      </p:sp>
-      <p:sp>
-        <p:nvSpPr>
           <p:cNvPr id="4" name="Date Placeholder 3"/>
           <p:cNvSpPr>
             <a:spLocks noGrp="1"/>
@@ -410,11 +879,15 @@
         <p:spPr/>
         <p:txBody>
           <a:bodyPr/>
-          <a:lstStyle/>
+          <a:lstStyle>
+            <a:lvl1pPr>
+              <a:defRPr sz="1100"/>
+            </a:lvl1pPr>
+          </a:lstStyle>
           <a:p>
             <a:fld id="{DFB0194B-2825-408F-B5FA-3ED95FC4D2C0}" type="datetimeFigureOut">
               <a:rPr lang="en-US" smtClean="0"/>
-              <a:t>11/8/2018</a:t>
+              <a:t>11/14/2018</a:t>
             </a:fld>
             <a:endParaRPr lang="en-US"/>
           </a:p>
@@ -422,25 +895,6 @@
       </p:sp>
       <p:sp>
         <p:nvSpPr>
-          <p:cNvPr id="5" name="Footer Placeholder 4"/>
-          <p:cNvSpPr>
-            <a:spLocks noGrp="1"/>
-          </p:cNvSpPr>
-          <p:nvPr>
-            <p:ph type="ftr" sz="quarter" idx="11"/>
-          </p:nvPr>
-        </p:nvSpPr>
-        <p:spPr/>
-        <p:txBody>
-          <a:bodyPr/>
-          <a:lstStyle/>
-          <a:p>
-            <a:endParaRPr lang="en-US"/>
-          </a:p>
-        </p:txBody>
-      </p:sp>
-      <p:sp>
-        <p:nvSpPr>
           <p:cNvPr id="6" name="Slide Number Placeholder 5"/>
           <p:cNvSpPr>
             <a:spLocks noGrp="1"/>
@@ -452,7 +906,11 @@
         <p:spPr/>
         <p:txBody>
           <a:bodyPr/>
-          <a:lstStyle/>
+          <a:lstStyle>
+            <a:lvl1pPr>
+              <a:defRPr sz="1100"/>
+            </a:lvl1pPr>
+          </a:lstStyle>
           <a:p>
             <a:fld id="{22177795-0C2D-417E-A443-41965917A41E}" type="slidenum">
               <a:rPr lang="en-US" smtClean="0"/>
@@ -465,17 +923,29 @@
     </p:spTree>
     <p:extLst>
       <p:ext uri="{BB962C8B-B14F-4D97-AF65-F5344CB8AC3E}">
-        <p14:creationId xmlns:p14="http://schemas.microsoft.com/office/powerpoint/2010/main" val="1643426302"/>
+        <p14:creationId xmlns:p14="http://schemas.microsoft.com/office/powerpoint/2010/main" val="3479713906"/>
       </p:ext>
     </p:extLst>
   </p:cSld>
   <p:clrMapOvr>
     <a:masterClrMapping/>
   </p:clrMapOvr>
+  <mc:AlternateContent xmlns:mc="http://schemas.openxmlformats.org/markup-compatibility/2006" xmlns:p14="http://schemas.microsoft.com/office/powerpoint/2010/main">
+    <mc:Choice Requires="p14">
+      <p:transition spd="med" p14:dur="700">
+        <p:fade/>
+      </p:transition>
+    </mc:Choice>
+    <mc:Fallback xmlns="">
+      <p:transition spd="med">
+        <p:fade/>
+      </p:transition>
+    </mc:Fallback>
+  </mc:AlternateContent>
 </p:sldLayout>
 </file>
 
-<file path=ppt/slideLayouts/slideLayout11.xml><?xml version="1.0" encoding="utf-8"?>
+<file path=ppt/slideLayouts/slideLayout12.xml><?xml version="1.0" encoding="utf-8"?>
 <p:sldLayout xmlns:a="http://schemas.openxmlformats.org/drawingml/2006/main" xmlns:r="http://schemas.openxmlformats.org/officeDocument/2006/relationships" xmlns:p="http://schemas.openxmlformats.org/presentationml/2006/main" type="vertTitleAndTx" preserve="1">
   <p:cSld name="Vertical Title and Text">
     <p:spTree>
@@ -504,8 +974,8 @@
         </p:nvSpPr>
         <p:spPr>
           <a:xfrm>
-            <a:off x="8724900" y="365125"/>
-            <a:ext cx="2628900" cy="5811838"/>
+            <a:off x="9678333" y="685801"/>
+            <a:ext cx="1219519" cy="5486400"/>
           </a:xfrm>
         </p:spPr>
         <p:txBody>
@@ -516,7 +986,7 @@
               <a:rPr lang="en-US" smtClean="0"/>
               <a:t>Click to edit Master title style</a:t>
             </a:r>
-            <a:endParaRPr lang="en-US"/>
+            <a:endParaRPr/>
           </a:p>
         </p:txBody>
       </p:sp>
@@ -532,13 +1002,29 @@
         </p:nvSpPr>
         <p:spPr>
           <a:xfrm>
-            <a:off x="838200" y="365125"/>
-            <a:ext cx="7734300" cy="5811838"/>
+            <a:off x="1294150" y="685800"/>
+            <a:ext cx="8155523" cy="5486400"/>
           </a:xfrm>
         </p:spPr>
         <p:txBody>
           <a:bodyPr vert="eaVert"/>
-          <a:lstStyle/>
+          <a:lstStyle>
+            <a:lvl5pPr>
+              <a:defRPr/>
+            </a:lvl5pPr>
+            <a:lvl6pPr>
+              <a:defRPr/>
+            </a:lvl6pPr>
+            <a:lvl7pPr>
+              <a:defRPr/>
+            </a:lvl7pPr>
+            <a:lvl8pPr>
+              <a:defRPr baseline="0"/>
+            </a:lvl8pPr>
+            <a:lvl9pPr>
+              <a:defRPr baseline="0"/>
+            </a:lvl9pPr>
+          </a:lstStyle>
           <a:p>
             <a:pPr lvl="0"/>
             <a:r>
@@ -573,6 +1059,29 @@
               <a:rPr lang="en-US" smtClean="0"/>
               <a:t>Fifth level</a:t>
             </a:r>
+            <a:endParaRPr/>
+          </a:p>
+        </p:txBody>
+      </p:sp>
+      <p:sp>
+        <p:nvSpPr>
+          <p:cNvPr id="5" name="Footer Placeholder 4"/>
+          <p:cNvSpPr>
+            <a:spLocks noGrp="1"/>
+          </p:cNvSpPr>
+          <p:nvPr>
+            <p:ph type="ftr" sz="quarter" idx="11"/>
+          </p:nvPr>
+        </p:nvSpPr>
+        <p:spPr/>
+        <p:txBody>
+          <a:bodyPr/>
+          <a:lstStyle>
+            <a:lvl1pPr>
+              <a:defRPr sz="1100"/>
+            </a:lvl1pPr>
+          </a:lstStyle>
+          <a:p>
             <a:endParaRPr lang="en-US"/>
           </a:p>
         </p:txBody>
@@ -590,11 +1099,15 @@
         <p:spPr/>
         <p:txBody>
           <a:bodyPr/>
-          <a:lstStyle/>
+          <a:lstStyle>
+            <a:lvl1pPr>
+              <a:defRPr sz="1100"/>
+            </a:lvl1pPr>
+          </a:lstStyle>
           <a:p>
             <a:fld id="{DFB0194B-2825-408F-B5FA-3ED95FC4D2C0}" type="datetimeFigureOut">
               <a:rPr lang="en-US" smtClean="0"/>
-              <a:t>11/8/2018</a:t>
+              <a:t>11/14/2018</a:t>
             </a:fld>
             <a:endParaRPr lang="en-US"/>
           </a:p>
@@ -602,25 +1115,6 @@
       </p:sp>
       <p:sp>
         <p:nvSpPr>
-          <p:cNvPr id="5" name="Footer Placeholder 4"/>
-          <p:cNvSpPr>
-            <a:spLocks noGrp="1"/>
-          </p:cNvSpPr>
-          <p:nvPr>
-            <p:ph type="ftr" sz="quarter" idx="11"/>
-          </p:nvPr>
-        </p:nvSpPr>
-        <p:spPr/>
-        <p:txBody>
-          <a:bodyPr/>
-          <a:lstStyle/>
-          <a:p>
-            <a:endParaRPr lang="en-US"/>
-          </a:p>
-        </p:txBody>
-      </p:sp>
-      <p:sp>
-        <p:nvSpPr>
           <p:cNvPr id="6" name="Slide Number Placeholder 5"/>
           <p:cNvSpPr>
             <a:spLocks noGrp="1"/>
@@ -632,7 +1126,11 @@
         <p:spPr/>
         <p:txBody>
           <a:bodyPr/>
-          <a:lstStyle/>
+          <a:lstStyle>
+            <a:lvl1pPr>
+              <a:defRPr sz="1100"/>
+            </a:lvl1pPr>
+          </a:lstStyle>
           <a:p>
             <a:fld id="{22177795-0C2D-417E-A443-41965917A41E}" type="slidenum">
               <a:rPr lang="en-US" smtClean="0"/>
@@ -645,13 +1143,30 @@
     </p:spTree>
     <p:extLst>
       <p:ext uri="{BB962C8B-B14F-4D97-AF65-F5344CB8AC3E}">
-        <p14:creationId xmlns:p14="http://schemas.microsoft.com/office/powerpoint/2010/main" val="3469519083"/>
+        <p14:creationId xmlns:p14="http://schemas.microsoft.com/office/powerpoint/2010/main" val="1043369737"/>
       </p:ext>
     </p:extLst>
   </p:cSld>
   <p:clrMapOvr>
     <a:masterClrMapping/>
   </p:clrMapOvr>
+  <mc:AlternateContent xmlns:mc="http://schemas.openxmlformats.org/markup-compatibility/2006" xmlns:p14="http://schemas.microsoft.com/office/powerpoint/2010/main">
+    <mc:Choice Requires="p14">
+      <p:transition spd="med" p14:dur="700">
+        <p:fade/>
+      </p:transition>
+    </mc:Choice>
+    <mc:Fallback xmlns="">
+      <p:transition spd="med">
+        <p:fade/>
+      </p:transition>
+    </mc:Fallback>
+  </mc:AlternateContent>
+  <p:extLst>
+    <p:ext uri="{DCECCB84-F9BA-43D5-87BE-67443E8EF086}">
+      <p15:sldGuideLst xmlns:p15="http://schemas.microsoft.com/office/powerpoint/2012/main"/>
+    </p:ext>
+  </p:extLst>
 </p:sldLayout>
 </file>
 
@@ -691,64 +1206,103 @@
               <a:rPr lang="en-US" smtClean="0"/>
               <a:t>Click to edit Master title style</a:t>
             </a:r>
+            <a:endParaRPr/>
+          </a:p>
+        </p:txBody>
+      </p:sp>
+      <p:sp>
+        <p:nvSpPr>
+          <p:cNvPr id="3" name="Content Placeholder 2"/>
+          <p:cNvSpPr>
+            <a:spLocks noGrp="1"/>
+          </p:cNvSpPr>
+          <p:nvPr>
+            <p:ph idx="1"/>
+          </p:nvPr>
+        </p:nvSpPr>
+        <p:spPr/>
+        <p:txBody>
+          <a:bodyPr/>
+          <a:lstStyle>
+            <a:lvl5pPr>
+              <a:defRPr/>
+            </a:lvl5pPr>
+            <a:lvl6pPr>
+              <a:defRPr/>
+            </a:lvl6pPr>
+            <a:lvl7pPr>
+              <a:defRPr/>
+            </a:lvl7pPr>
+            <a:lvl8pPr>
+              <a:defRPr/>
+            </a:lvl8pPr>
+            <a:lvl9pPr>
+              <a:defRPr/>
+            </a:lvl9pPr>
+          </a:lstStyle>
+          <a:p>
+            <a:pPr lvl="0"/>
+            <a:r>
+              <a:rPr lang="en-US" smtClean="0"/>
+              <a:t>Edit Master text styles</a:t>
+            </a:r>
+          </a:p>
+          <a:p>
+            <a:pPr lvl="1"/>
+            <a:r>
+              <a:rPr lang="en-US" smtClean="0"/>
+              <a:t>Second level</a:t>
+            </a:r>
+          </a:p>
+          <a:p>
+            <a:pPr lvl="2"/>
+            <a:r>
+              <a:rPr lang="en-US" smtClean="0"/>
+              <a:t>Third level</a:t>
+            </a:r>
+          </a:p>
+          <a:p>
+            <a:pPr lvl="3"/>
+            <a:r>
+              <a:rPr lang="en-US" smtClean="0"/>
+              <a:t>Fourth level</a:t>
+            </a:r>
+          </a:p>
+          <a:p>
+            <a:pPr lvl="4"/>
+            <a:r>
+              <a:rPr lang="en-US" smtClean="0"/>
+              <a:t>Fifth level</a:t>
+            </a:r>
+            <a:endParaRPr/>
+          </a:p>
+        </p:txBody>
+      </p:sp>
+      <p:sp>
+        <p:nvSpPr>
+          <p:cNvPr id="5" name="Footer Placeholder 4"/>
+          <p:cNvSpPr>
+            <a:spLocks noGrp="1"/>
+          </p:cNvSpPr>
+          <p:nvPr>
+            <p:ph type="ftr" sz="quarter" idx="11"/>
+          </p:nvPr>
+        </p:nvSpPr>
+        <p:spPr/>
+        <p:txBody>
+          <a:bodyPr/>
+          <a:lstStyle>
+            <a:lvl1pPr>
+              <a:defRPr sz="1100"/>
+            </a:lvl1pPr>
+          </a:lstStyle>
+          <a:p>
             <a:endParaRPr lang="en-US"/>
           </a:p>
         </p:txBody>
       </p:sp>
       <p:sp>
         <p:nvSpPr>
-          <p:cNvPr id="3" name="Content Placeholder 2"/>
-          <p:cNvSpPr>
-            <a:spLocks noGrp="1"/>
-          </p:cNvSpPr>
-          <p:nvPr>
-            <p:ph idx="1"/>
-          </p:nvPr>
-        </p:nvSpPr>
-        <p:spPr/>
-        <p:txBody>
-          <a:bodyPr/>
-          <a:lstStyle/>
-          <a:p>
-            <a:pPr lvl="0"/>
-            <a:r>
-              <a:rPr lang="en-US" smtClean="0"/>
-              <a:t>Edit Master text styles</a:t>
-            </a:r>
-          </a:p>
-          <a:p>
-            <a:pPr lvl="1"/>
-            <a:r>
-              <a:rPr lang="en-US" smtClean="0"/>
-              <a:t>Second level</a:t>
-            </a:r>
-          </a:p>
-          <a:p>
-            <a:pPr lvl="2"/>
-            <a:r>
-              <a:rPr lang="en-US" smtClean="0"/>
-              <a:t>Third level</a:t>
-            </a:r>
-          </a:p>
-          <a:p>
-            <a:pPr lvl="3"/>
-            <a:r>
-              <a:rPr lang="en-US" smtClean="0"/>
-              <a:t>Fourth level</a:t>
-            </a:r>
-          </a:p>
-          <a:p>
-            <a:pPr lvl="4"/>
-            <a:r>
-              <a:rPr lang="en-US" smtClean="0"/>
-              <a:t>Fifth level</a:t>
-            </a:r>
-            <a:endParaRPr lang="en-US"/>
-          </a:p>
-        </p:txBody>
-      </p:sp>
-      <p:sp>
-        <p:nvSpPr>
           <p:cNvPr id="4" name="Date Placeholder 3"/>
           <p:cNvSpPr>
             <a:spLocks noGrp="1"/>
@@ -760,11 +1314,15 @@
         <p:spPr/>
         <p:txBody>
           <a:bodyPr/>
-          <a:lstStyle/>
+          <a:lstStyle>
+            <a:lvl1pPr>
+              <a:defRPr sz="1100"/>
+            </a:lvl1pPr>
+          </a:lstStyle>
           <a:p>
             <a:fld id="{DFB0194B-2825-408F-B5FA-3ED95FC4D2C0}" type="datetimeFigureOut">
               <a:rPr lang="en-US" smtClean="0"/>
-              <a:t>11/8/2018</a:t>
+              <a:t>11/14/2018</a:t>
             </a:fld>
             <a:endParaRPr lang="en-US"/>
           </a:p>
@@ -772,25 +1330,6 @@
       </p:sp>
       <p:sp>
         <p:nvSpPr>
-          <p:cNvPr id="5" name="Footer Placeholder 4"/>
-          <p:cNvSpPr>
-            <a:spLocks noGrp="1"/>
-          </p:cNvSpPr>
-          <p:nvPr>
-            <p:ph type="ftr" sz="quarter" idx="11"/>
-          </p:nvPr>
-        </p:nvSpPr>
-        <p:spPr/>
-        <p:txBody>
-          <a:bodyPr/>
-          <a:lstStyle/>
-          <a:p>
-            <a:endParaRPr lang="en-US"/>
-          </a:p>
-        </p:txBody>
-      </p:sp>
-      <p:sp>
-        <p:nvSpPr>
           <p:cNvPr id="6" name="Slide Number Placeholder 5"/>
           <p:cNvSpPr>
             <a:spLocks noGrp="1"/>
@@ -802,7 +1341,11 @@
         <p:spPr/>
         <p:txBody>
           <a:bodyPr/>
-          <a:lstStyle/>
+          <a:lstStyle>
+            <a:lvl1pPr>
+              <a:defRPr sz="1100"/>
+            </a:lvl1pPr>
+          </a:lstStyle>
           <a:p>
             <a:fld id="{22177795-0C2D-417E-A443-41965917A41E}" type="slidenum">
               <a:rPr lang="en-US" smtClean="0"/>
@@ -815,13 +1358,25 @@
     </p:spTree>
     <p:extLst>
       <p:ext uri="{BB962C8B-B14F-4D97-AF65-F5344CB8AC3E}">
-        <p14:creationId xmlns:p14="http://schemas.microsoft.com/office/powerpoint/2010/main" val="1659763997"/>
+        <p14:creationId xmlns:p14="http://schemas.microsoft.com/office/powerpoint/2010/main" val="4020058396"/>
       </p:ext>
     </p:extLst>
   </p:cSld>
   <p:clrMapOvr>
     <a:masterClrMapping/>
   </p:clrMapOvr>
+  <mc:AlternateContent xmlns:mc="http://schemas.openxmlformats.org/markup-compatibility/2006" xmlns:p14="http://schemas.microsoft.com/office/powerpoint/2010/main">
+    <mc:Choice Requires="p14">
+      <p:transition spd="med" p14:dur="700">
+        <p:fade/>
+      </p:transition>
+    </mc:Choice>
+    <mc:Fallback xmlns="">
+      <p:transition spd="med">
+        <p:fade/>
+      </p:transition>
+    </mc:Fallback>
+  </mc:AlternateContent>
 </p:sldLayout>
 </file>
 
@@ -854,15 +1409,17 @@
         </p:nvSpPr>
         <p:spPr>
           <a:xfrm>
-            <a:off x="831850" y="1709738"/>
-            <a:ext cx="10515600" cy="2852737"/>
+            <a:off x="1294151" y="3429000"/>
+            <a:ext cx="9603702" cy="2286000"/>
           </a:xfrm>
         </p:spPr>
         <p:txBody>
-          <a:bodyPr anchor="b"/>
+          <a:bodyPr anchor="b">
+            <a:normAutofit/>
+          </a:bodyPr>
           <a:lstStyle>
-            <a:lvl1pPr>
-              <a:defRPr sz="6000"/>
+            <a:lvl1pPr algn="l">
+              <a:defRPr sz="4800" b="0" cap="none" baseline="0"/>
             </a:lvl1pPr>
           </a:lstStyle>
           <a:p>
@@ -870,7 +1427,7 @@
               <a:rPr lang="en-US" smtClean="0"/>
               <a:t>Click to edit Master title style</a:t>
             </a:r>
-            <a:endParaRPr lang="en-US"/>
+            <a:endParaRPr/>
           </a:p>
         </p:txBody>
       </p:sp>
@@ -886,26 +1443,27 @@
         </p:nvSpPr>
         <p:spPr>
           <a:xfrm>
-            <a:off x="831850" y="4589463"/>
-            <a:ext cx="10515600" cy="1500187"/>
+            <a:off x="1294150" y="685800"/>
+            <a:ext cx="7545765" cy="1066800"/>
           </a:xfrm>
         </p:spPr>
         <p:txBody>
-          <a:bodyPr/>
+          <a:bodyPr lIns="91440" anchor="t"/>
           <a:lstStyle>
             <a:lvl1pPr marL="0" indent="0">
-              <a:buNone/>
-              <a:defRPr sz="2400">
+              <a:spcBef>
+                <a:spcPts val="0"/>
+              </a:spcBef>
+              <a:buNone/>
+              <a:defRPr sz="2000" cap="all" spc="250" baseline="0">
                 <a:solidFill>
-                  <a:schemeClr val="tx1">
-                    <a:tint val="75000"/>
-                  </a:schemeClr>
+                  <a:schemeClr val="bg2"/>
                 </a:solidFill>
               </a:defRPr>
             </a:lvl1pPr>
             <a:lvl2pPr marL="457200" indent="0">
               <a:buNone/>
-              <a:defRPr sz="2000">
+              <a:defRPr sz="1800">
                 <a:solidFill>
                   <a:schemeClr val="tx1">
                     <a:tint val="75000"/>
@@ -915,7 +1473,7 @@
             </a:lvl2pPr>
             <a:lvl3pPr marL="914400" indent="0">
               <a:buNone/>
-              <a:defRPr sz="1800">
+              <a:defRPr sz="1600">
                 <a:solidFill>
                   <a:schemeClr val="tx1">
                     <a:tint val="75000"/>
@@ -925,7 +1483,7 @@
             </a:lvl3pPr>
             <a:lvl4pPr marL="1371600" indent="0">
               <a:buNone/>
-              <a:defRPr sz="1600">
+              <a:defRPr sz="1400">
                 <a:solidFill>
                   <a:schemeClr val="tx1">
                     <a:tint val="75000"/>
@@ -935,7 +1493,7 @@
             </a:lvl4pPr>
             <a:lvl5pPr marL="1828800" indent="0">
               <a:buNone/>
-              <a:defRPr sz="1600">
+              <a:defRPr sz="1400">
                 <a:solidFill>
                   <a:schemeClr val="tx1">
                     <a:tint val="75000"/>
@@ -945,7 +1503,7 @@
             </a:lvl5pPr>
             <a:lvl6pPr marL="2286000" indent="0">
               <a:buNone/>
-              <a:defRPr sz="1600">
+              <a:defRPr sz="1400">
                 <a:solidFill>
                   <a:schemeClr val="tx1">
                     <a:tint val="75000"/>
@@ -955,7 +1513,7 @@
             </a:lvl6pPr>
             <a:lvl7pPr marL="2743200" indent="0">
               <a:buNone/>
-              <a:defRPr sz="1600">
+              <a:defRPr sz="1400">
                 <a:solidFill>
                   <a:schemeClr val="tx1">
                     <a:tint val="75000"/>
@@ -965,7 +1523,7 @@
             </a:lvl7pPr>
             <a:lvl8pPr marL="3200400" indent="0">
               <a:buNone/>
-              <a:defRPr sz="1600">
+              <a:defRPr sz="1400">
                 <a:solidFill>
                   <a:schemeClr val="tx1">
                     <a:tint val="75000"/>
@@ -975,7 +1533,7 @@
             </a:lvl8pPr>
             <a:lvl9pPr marL="3657600" indent="0">
               <a:buNone/>
-              <a:defRPr sz="1600">
+              <a:defRPr sz="1400">
                 <a:solidFill>
                   <a:schemeClr val="tx1">
                     <a:tint val="75000"/>
@@ -995,6 +1553,29 @@
       </p:sp>
       <p:sp>
         <p:nvSpPr>
+          <p:cNvPr id="5" name="Footer Placeholder 4"/>
+          <p:cNvSpPr>
+            <a:spLocks noGrp="1"/>
+          </p:cNvSpPr>
+          <p:nvPr>
+            <p:ph type="ftr" sz="quarter" idx="11"/>
+          </p:nvPr>
+        </p:nvSpPr>
+        <p:spPr/>
+        <p:txBody>
+          <a:bodyPr/>
+          <a:lstStyle>
+            <a:lvl1pPr>
+              <a:defRPr sz="1100"/>
+            </a:lvl1pPr>
+          </a:lstStyle>
+          <a:p>
+            <a:endParaRPr lang="en-US"/>
+          </a:p>
+        </p:txBody>
+      </p:sp>
+      <p:sp>
+        <p:nvSpPr>
           <p:cNvPr id="4" name="Date Placeholder 3"/>
           <p:cNvSpPr>
             <a:spLocks noGrp="1"/>
@@ -1006,11 +1587,15 @@
         <p:spPr/>
         <p:txBody>
           <a:bodyPr/>
-          <a:lstStyle/>
+          <a:lstStyle>
+            <a:lvl1pPr>
+              <a:defRPr sz="1100"/>
+            </a:lvl1pPr>
+          </a:lstStyle>
           <a:p>
             <a:fld id="{DFB0194B-2825-408F-B5FA-3ED95FC4D2C0}" type="datetimeFigureOut">
               <a:rPr lang="en-US" smtClean="0"/>
-              <a:t>11/8/2018</a:t>
+              <a:t>11/14/2018</a:t>
             </a:fld>
             <a:endParaRPr lang="en-US"/>
           </a:p>
@@ -1018,25 +1603,6 @@
       </p:sp>
       <p:sp>
         <p:nvSpPr>
-          <p:cNvPr id="5" name="Footer Placeholder 4"/>
-          <p:cNvSpPr>
-            <a:spLocks noGrp="1"/>
-          </p:cNvSpPr>
-          <p:nvPr>
-            <p:ph type="ftr" sz="quarter" idx="11"/>
-          </p:nvPr>
-        </p:nvSpPr>
-        <p:spPr/>
-        <p:txBody>
-          <a:bodyPr/>
-          <a:lstStyle/>
-          <a:p>
-            <a:endParaRPr lang="en-US"/>
-          </a:p>
-        </p:txBody>
-      </p:sp>
-      <p:sp>
-        <p:nvSpPr>
           <p:cNvPr id="6" name="Slide Number Placeholder 5"/>
           <p:cNvSpPr>
             <a:spLocks noGrp="1"/>
@@ -1048,7 +1614,11 @@
         <p:spPr/>
         <p:txBody>
           <a:bodyPr/>
-          <a:lstStyle/>
+          <a:lstStyle>
+            <a:lvl1pPr>
+              <a:defRPr sz="1100"/>
+            </a:lvl1pPr>
+          </a:lstStyle>
           <a:p>
             <a:fld id="{22177795-0C2D-417E-A443-41965917A41E}" type="slidenum">
               <a:rPr lang="en-US" smtClean="0"/>
@@ -1061,13 +1631,30 @@
     </p:spTree>
     <p:extLst>
       <p:ext uri="{BB962C8B-B14F-4D97-AF65-F5344CB8AC3E}">
-        <p14:creationId xmlns:p14="http://schemas.microsoft.com/office/powerpoint/2010/main" val="4186494846"/>
+        <p14:creationId xmlns:p14="http://schemas.microsoft.com/office/powerpoint/2010/main" val="4059722696"/>
       </p:ext>
     </p:extLst>
   </p:cSld>
   <p:clrMapOvr>
     <a:masterClrMapping/>
   </p:clrMapOvr>
+  <mc:AlternateContent xmlns:mc="http://schemas.openxmlformats.org/markup-compatibility/2006" xmlns:p14="http://schemas.microsoft.com/office/powerpoint/2010/main">
+    <mc:Choice Requires="p14">
+      <p:transition spd="med" p14:dur="700">
+        <p:fade/>
+      </p:transition>
+    </mc:Choice>
+    <mc:Fallback xmlns="">
+      <p:transition spd="med">
+        <p:fade/>
+      </p:transition>
+    </mc:Fallback>
+  </mc:AlternateContent>
+  <p:extLst>
+    <p:ext uri="{DCECCB84-F9BA-43D5-87BE-67443E8EF086}">
+      <p15:sldGuideLst xmlns:p15="http://schemas.microsoft.com/office/powerpoint/2012/main"/>
+    </p:ext>
+  </p:extLst>
 </p:sldLayout>
 </file>
 
@@ -1107,7 +1694,7 @@
               <a:rPr lang="en-US" smtClean="0"/>
               <a:t>Click to edit Master title style</a:t>
             </a:r>
-            <a:endParaRPr lang="en-US"/>
+            <a:endParaRPr/>
           </a:p>
         </p:txBody>
       </p:sp>
@@ -1123,13 +1710,43 @@
         </p:nvSpPr>
         <p:spPr>
           <a:xfrm>
-            <a:off x="838200" y="1825625"/>
-            <a:ext cx="5181600" cy="4351338"/>
+            <a:off x="1294150" y="1828800"/>
+            <a:ext cx="4649410" cy="4343400"/>
           </a:xfrm>
         </p:spPr>
         <p:txBody>
-          <a:bodyPr/>
-          <a:lstStyle/>
+          <a:bodyPr>
+            <a:normAutofit/>
+          </a:bodyPr>
+          <a:lstStyle>
+            <a:lvl1pPr>
+              <a:defRPr sz="2400"/>
+            </a:lvl1pPr>
+            <a:lvl2pPr>
+              <a:defRPr sz="2000"/>
+            </a:lvl2pPr>
+            <a:lvl3pPr>
+              <a:defRPr sz="1800"/>
+            </a:lvl3pPr>
+            <a:lvl4pPr>
+              <a:defRPr sz="1600"/>
+            </a:lvl4pPr>
+            <a:lvl5pPr>
+              <a:defRPr sz="1600"/>
+            </a:lvl5pPr>
+            <a:lvl6pPr>
+              <a:defRPr sz="1600"/>
+            </a:lvl6pPr>
+            <a:lvl7pPr>
+              <a:defRPr sz="1600"/>
+            </a:lvl7pPr>
+            <a:lvl8pPr>
+              <a:defRPr sz="1600"/>
+            </a:lvl8pPr>
+            <a:lvl9pPr>
+              <a:defRPr sz="1600"/>
+            </a:lvl9pPr>
+          </a:lstStyle>
           <a:p>
             <a:pPr lvl="0"/>
             <a:r>
@@ -1164,7 +1781,7 @@
               <a:rPr lang="en-US" smtClean="0"/>
               <a:t>Fifth level</a:t>
             </a:r>
-            <a:endParaRPr lang="en-US"/>
+            <a:endParaRPr/>
           </a:p>
         </p:txBody>
       </p:sp>
@@ -1180,13 +1797,43 @@
         </p:nvSpPr>
         <p:spPr>
           <a:xfrm>
-            <a:off x="6172200" y="1825625"/>
-            <a:ext cx="5181600" cy="4351338"/>
+            <a:off x="6248439" y="1828801"/>
+            <a:ext cx="4649413" cy="4343400"/>
           </a:xfrm>
         </p:spPr>
         <p:txBody>
-          <a:bodyPr/>
-          <a:lstStyle/>
+          <a:bodyPr>
+            <a:normAutofit/>
+          </a:bodyPr>
+          <a:lstStyle>
+            <a:lvl1pPr>
+              <a:defRPr sz="2400"/>
+            </a:lvl1pPr>
+            <a:lvl2pPr>
+              <a:defRPr sz="2000"/>
+            </a:lvl2pPr>
+            <a:lvl3pPr>
+              <a:defRPr sz="1800"/>
+            </a:lvl3pPr>
+            <a:lvl4pPr>
+              <a:defRPr sz="1600"/>
+            </a:lvl4pPr>
+            <a:lvl5pPr>
+              <a:defRPr sz="1600"/>
+            </a:lvl5pPr>
+            <a:lvl6pPr>
+              <a:defRPr sz="1600"/>
+            </a:lvl6pPr>
+            <a:lvl7pPr>
+              <a:defRPr sz="1600"/>
+            </a:lvl7pPr>
+            <a:lvl8pPr>
+              <a:defRPr sz="1600"/>
+            </a:lvl8pPr>
+            <a:lvl9pPr>
+              <a:defRPr sz="1600"/>
+            </a:lvl9pPr>
+          </a:lstStyle>
           <a:p>
             <a:pPr lvl="0"/>
             <a:r>
@@ -1221,6 +1868,29 @@
               <a:rPr lang="en-US" smtClean="0"/>
               <a:t>Fifth level</a:t>
             </a:r>
+            <a:endParaRPr/>
+          </a:p>
+        </p:txBody>
+      </p:sp>
+      <p:sp>
+        <p:nvSpPr>
+          <p:cNvPr id="6" name="Footer Placeholder 5"/>
+          <p:cNvSpPr>
+            <a:spLocks noGrp="1"/>
+          </p:cNvSpPr>
+          <p:nvPr>
+            <p:ph type="ftr" sz="quarter" idx="11"/>
+          </p:nvPr>
+        </p:nvSpPr>
+        <p:spPr/>
+        <p:txBody>
+          <a:bodyPr/>
+          <a:lstStyle>
+            <a:lvl1pPr>
+              <a:defRPr sz="1100"/>
+            </a:lvl1pPr>
+          </a:lstStyle>
+          <a:p>
             <a:endParaRPr lang="en-US"/>
           </a:p>
         </p:txBody>
@@ -1238,11 +1908,15 @@
         <p:spPr/>
         <p:txBody>
           <a:bodyPr/>
-          <a:lstStyle/>
+          <a:lstStyle>
+            <a:lvl1pPr>
+              <a:defRPr sz="1100"/>
+            </a:lvl1pPr>
+          </a:lstStyle>
           <a:p>
             <a:fld id="{DFB0194B-2825-408F-B5FA-3ED95FC4D2C0}" type="datetimeFigureOut">
               <a:rPr lang="en-US" smtClean="0"/>
-              <a:t>11/8/2018</a:t>
+              <a:t>11/14/2018</a:t>
             </a:fld>
             <a:endParaRPr lang="en-US"/>
           </a:p>
@@ -1250,25 +1924,6 @@
       </p:sp>
       <p:sp>
         <p:nvSpPr>
-          <p:cNvPr id="6" name="Footer Placeholder 5"/>
-          <p:cNvSpPr>
-            <a:spLocks noGrp="1"/>
-          </p:cNvSpPr>
-          <p:nvPr>
-            <p:ph type="ftr" sz="quarter" idx="11"/>
-          </p:nvPr>
-        </p:nvSpPr>
-        <p:spPr/>
-        <p:txBody>
-          <a:bodyPr/>
-          <a:lstStyle/>
-          <a:p>
-            <a:endParaRPr lang="en-US"/>
-          </a:p>
-        </p:txBody>
-      </p:sp>
-      <p:sp>
-        <p:nvSpPr>
           <p:cNvPr id="7" name="Slide Number Placeholder 6"/>
           <p:cNvSpPr>
             <a:spLocks noGrp="1"/>
@@ -1280,7 +1935,11 @@
         <p:spPr/>
         <p:txBody>
           <a:bodyPr/>
-          <a:lstStyle/>
+          <a:lstStyle>
+            <a:lvl1pPr>
+              <a:defRPr sz="1100"/>
+            </a:lvl1pPr>
+          </a:lstStyle>
           <a:p>
             <a:fld id="{22177795-0C2D-417E-A443-41965917A41E}" type="slidenum">
               <a:rPr lang="en-US" smtClean="0"/>
@@ -1293,13 +1952,25 @@
     </p:spTree>
     <p:extLst>
       <p:ext uri="{BB962C8B-B14F-4D97-AF65-F5344CB8AC3E}">
-        <p14:creationId xmlns:p14="http://schemas.microsoft.com/office/powerpoint/2010/main" val="507928176"/>
+        <p14:creationId xmlns:p14="http://schemas.microsoft.com/office/powerpoint/2010/main" val="2750251219"/>
       </p:ext>
     </p:extLst>
   </p:cSld>
   <p:clrMapOvr>
     <a:masterClrMapping/>
   </p:clrMapOvr>
+  <mc:AlternateContent xmlns:mc="http://schemas.openxmlformats.org/markup-compatibility/2006" xmlns:p14="http://schemas.microsoft.com/office/powerpoint/2010/main">
+    <mc:Choice Requires="p14">
+      <p:transition spd="med" p14:dur="700">
+        <p:fade/>
+      </p:transition>
+    </mc:Choice>
+    <mc:Fallback xmlns="">
+      <p:transition spd="med">
+        <p:fade/>
+      </p:transition>
+    </mc:Fallback>
+  </mc:AlternateContent>
 </p:sldLayout>
 </file>
 
@@ -1330,46 +2001,48 @@
             <p:ph type="title"/>
           </p:nvPr>
         </p:nvSpPr>
+        <p:spPr/>
+        <p:txBody>
+          <a:bodyPr/>
+          <a:lstStyle>
+            <a:lvl1pPr>
+              <a:defRPr/>
+            </a:lvl1pPr>
+          </a:lstStyle>
+          <a:p>
+            <a:r>
+              <a:rPr lang="en-US" smtClean="0"/>
+              <a:t>Click to edit Master title style</a:t>
+            </a:r>
+            <a:endParaRPr/>
+          </a:p>
+        </p:txBody>
+      </p:sp>
+      <p:sp>
+        <p:nvSpPr>
+          <p:cNvPr id="3" name="Text Placeholder 2"/>
+          <p:cNvSpPr>
+            <a:spLocks noGrp="1"/>
+          </p:cNvSpPr>
+          <p:nvPr>
+            <p:ph type="body" idx="1"/>
+          </p:nvPr>
+        </p:nvSpPr>
         <p:spPr>
           <a:xfrm>
-            <a:off x="839788" y="365125"/>
-            <a:ext cx="10515600" cy="1325563"/>
+            <a:off x="1294150" y="1676400"/>
+            <a:ext cx="4647586" cy="762000"/>
           </a:xfrm>
         </p:spPr>
         <p:txBody>
-          <a:bodyPr/>
-          <a:lstStyle/>
-          <a:p>
-            <a:r>
-              <a:rPr lang="en-US" smtClean="0"/>
-              <a:t>Click to edit Master title style</a:t>
-            </a:r>
-            <a:endParaRPr lang="en-US"/>
-          </a:p>
-        </p:txBody>
-      </p:sp>
-      <p:sp>
-        <p:nvSpPr>
-          <p:cNvPr id="3" name="Text Placeholder 2"/>
-          <p:cNvSpPr>
-            <a:spLocks noGrp="1"/>
-          </p:cNvSpPr>
-          <p:nvPr>
-            <p:ph type="body" idx="1"/>
-          </p:nvPr>
-        </p:nvSpPr>
-        <p:spPr>
-          <a:xfrm>
-            <a:off x="839788" y="1681163"/>
-            <a:ext cx="5157787" cy="823912"/>
-          </a:xfrm>
-        </p:spPr>
-        <p:txBody>
-          <a:bodyPr anchor="b"/>
+          <a:bodyPr anchor="ctr"/>
           <a:lstStyle>
             <a:lvl1pPr marL="0" indent="0">
-              <a:buNone/>
-              <a:defRPr sz="2400" b="1"/>
+              <a:spcBef>
+                <a:spcPts val="0"/>
+              </a:spcBef>
+              <a:buNone/>
+              <a:defRPr sz="2400" b="0"/>
             </a:lvl1pPr>
             <a:lvl2pPr marL="457200" indent="0">
               <a:buNone/>
@@ -1425,13 +2098,43 @@
         </p:nvSpPr>
         <p:spPr>
           <a:xfrm>
-            <a:off x="839788" y="2505075"/>
-            <a:ext cx="5157787" cy="3684588"/>
+            <a:off x="1294150" y="2438400"/>
+            <a:ext cx="4649410" cy="3733800"/>
           </a:xfrm>
         </p:spPr>
         <p:txBody>
-          <a:bodyPr/>
-          <a:lstStyle/>
+          <a:bodyPr>
+            <a:normAutofit/>
+          </a:bodyPr>
+          <a:lstStyle>
+            <a:lvl1pPr>
+              <a:defRPr sz="2000"/>
+            </a:lvl1pPr>
+            <a:lvl2pPr>
+              <a:defRPr sz="1800"/>
+            </a:lvl2pPr>
+            <a:lvl3pPr>
+              <a:defRPr sz="1600"/>
+            </a:lvl3pPr>
+            <a:lvl4pPr>
+              <a:defRPr sz="1400"/>
+            </a:lvl4pPr>
+            <a:lvl5pPr>
+              <a:defRPr sz="1400"/>
+            </a:lvl5pPr>
+            <a:lvl6pPr>
+              <a:defRPr sz="1400"/>
+            </a:lvl6pPr>
+            <a:lvl7pPr>
+              <a:defRPr sz="1400"/>
+            </a:lvl7pPr>
+            <a:lvl8pPr>
+              <a:defRPr sz="1400"/>
+            </a:lvl8pPr>
+            <a:lvl9pPr>
+              <a:defRPr sz="1400"/>
+            </a:lvl9pPr>
+          </a:lstStyle>
           <a:p>
             <a:pPr lvl="0"/>
             <a:r>
@@ -1466,7 +2169,7 @@
               <a:rPr lang="en-US" smtClean="0"/>
               <a:t>Fifth level</a:t>
             </a:r>
-            <a:endParaRPr lang="en-US"/>
+            <a:endParaRPr/>
           </a:p>
         </p:txBody>
       </p:sp>
@@ -1482,16 +2185,19 @@
         </p:nvSpPr>
         <p:spPr>
           <a:xfrm>
-            <a:off x="6172200" y="1681163"/>
-            <a:ext cx="5183188" cy="823912"/>
+            <a:off x="6248440" y="1676400"/>
+            <a:ext cx="4649412" cy="762000"/>
           </a:xfrm>
         </p:spPr>
         <p:txBody>
-          <a:bodyPr anchor="b"/>
+          <a:bodyPr anchor="ctr"/>
           <a:lstStyle>
             <a:lvl1pPr marL="0" indent="0">
-              <a:buNone/>
-              <a:defRPr sz="2400" b="1"/>
+              <a:spcBef>
+                <a:spcPts val="0"/>
+              </a:spcBef>
+              <a:buNone/>
+              <a:defRPr sz="2400" b="0"/>
             </a:lvl1pPr>
             <a:lvl2pPr marL="457200" indent="0">
               <a:buNone/>
@@ -1547,13 +2253,43 @@
         </p:nvSpPr>
         <p:spPr>
           <a:xfrm>
-            <a:off x="6172200" y="2505075"/>
-            <a:ext cx="5183188" cy="3684588"/>
+            <a:off x="6248440" y="2438400"/>
+            <a:ext cx="4649412" cy="3733800"/>
           </a:xfrm>
         </p:spPr>
         <p:txBody>
-          <a:bodyPr/>
-          <a:lstStyle/>
+          <a:bodyPr>
+            <a:normAutofit/>
+          </a:bodyPr>
+          <a:lstStyle>
+            <a:lvl1pPr>
+              <a:defRPr sz="2000"/>
+            </a:lvl1pPr>
+            <a:lvl2pPr>
+              <a:defRPr sz="1800"/>
+            </a:lvl2pPr>
+            <a:lvl3pPr>
+              <a:defRPr sz="1600"/>
+            </a:lvl3pPr>
+            <a:lvl4pPr>
+              <a:defRPr sz="1400"/>
+            </a:lvl4pPr>
+            <a:lvl5pPr>
+              <a:defRPr sz="1400"/>
+            </a:lvl5pPr>
+            <a:lvl6pPr>
+              <a:defRPr sz="1400"/>
+            </a:lvl6pPr>
+            <a:lvl7pPr>
+              <a:defRPr sz="1400"/>
+            </a:lvl7pPr>
+            <a:lvl8pPr>
+              <a:defRPr sz="1400"/>
+            </a:lvl8pPr>
+            <a:lvl9pPr>
+              <a:defRPr sz="1400"/>
+            </a:lvl9pPr>
+          </a:lstStyle>
           <a:p>
             <a:pPr lvl="0"/>
             <a:r>
@@ -1588,6 +2324,29 @@
               <a:rPr lang="en-US" smtClean="0"/>
               <a:t>Fifth level</a:t>
             </a:r>
+            <a:endParaRPr/>
+          </a:p>
+        </p:txBody>
+      </p:sp>
+      <p:sp>
+        <p:nvSpPr>
+          <p:cNvPr id="8" name="Footer Placeholder 7"/>
+          <p:cNvSpPr>
+            <a:spLocks noGrp="1"/>
+          </p:cNvSpPr>
+          <p:nvPr>
+            <p:ph type="ftr" sz="quarter" idx="11"/>
+          </p:nvPr>
+        </p:nvSpPr>
+        <p:spPr/>
+        <p:txBody>
+          <a:bodyPr/>
+          <a:lstStyle>
+            <a:lvl1pPr>
+              <a:defRPr sz="1100"/>
+            </a:lvl1pPr>
+          </a:lstStyle>
+          <a:p>
             <a:endParaRPr lang="en-US"/>
           </a:p>
         </p:txBody>
@@ -1605,11 +2364,15 @@
         <p:spPr/>
         <p:txBody>
           <a:bodyPr/>
-          <a:lstStyle/>
+          <a:lstStyle>
+            <a:lvl1pPr>
+              <a:defRPr sz="1100"/>
+            </a:lvl1pPr>
+          </a:lstStyle>
           <a:p>
             <a:fld id="{DFB0194B-2825-408F-B5FA-3ED95FC4D2C0}" type="datetimeFigureOut">
               <a:rPr lang="en-US" smtClean="0"/>
-              <a:t>11/8/2018</a:t>
+              <a:t>11/14/2018</a:t>
             </a:fld>
             <a:endParaRPr lang="en-US"/>
           </a:p>
@@ -1617,25 +2380,6 @@
       </p:sp>
       <p:sp>
         <p:nvSpPr>
-          <p:cNvPr id="8" name="Footer Placeholder 7"/>
-          <p:cNvSpPr>
-            <a:spLocks noGrp="1"/>
-          </p:cNvSpPr>
-          <p:nvPr>
-            <p:ph type="ftr" sz="quarter" idx="11"/>
-          </p:nvPr>
-        </p:nvSpPr>
-        <p:spPr/>
-        <p:txBody>
-          <a:bodyPr/>
-          <a:lstStyle/>
-          <a:p>
-            <a:endParaRPr lang="en-US"/>
-          </a:p>
-        </p:txBody>
-      </p:sp>
-      <p:sp>
-        <p:nvSpPr>
           <p:cNvPr id="9" name="Slide Number Placeholder 8"/>
           <p:cNvSpPr>
             <a:spLocks noGrp="1"/>
@@ -1647,7 +2391,11 @@
         <p:spPr/>
         <p:txBody>
           <a:bodyPr/>
-          <a:lstStyle/>
+          <a:lstStyle>
+            <a:lvl1pPr>
+              <a:defRPr sz="1100"/>
+            </a:lvl1pPr>
+          </a:lstStyle>
           <a:p>
             <a:fld id="{22177795-0C2D-417E-A443-41965917A41E}" type="slidenum">
               <a:rPr lang="en-US" smtClean="0"/>
@@ -1660,13 +2408,25 @@
     </p:spTree>
     <p:extLst>
       <p:ext uri="{BB962C8B-B14F-4D97-AF65-F5344CB8AC3E}">
-        <p14:creationId xmlns:p14="http://schemas.microsoft.com/office/powerpoint/2010/main" val="72744941"/>
+        <p14:creationId xmlns:p14="http://schemas.microsoft.com/office/powerpoint/2010/main" val="877405593"/>
       </p:ext>
     </p:extLst>
   </p:cSld>
   <p:clrMapOvr>
     <a:masterClrMapping/>
   </p:clrMapOvr>
+  <mc:AlternateContent xmlns:mc="http://schemas.openxmlformats.org/markup-compatibility/2006" xmlns:p14="http://schemas.microsoft.com/office/powerpoint/2010/main">
+    <mc:Choice Requires="p14">
+      <p:transition spd="med" p14:dur="700">
+        <p:fade/>
+      </p:transition>
+    </mc:Choice>
+    <mc:Fallback xmlns="">
+      <p:transition spd="med">
+        <p:fade/>
+      </p:transition>
+    </mc:Fallback>
+  </mc:AlternateContent>
 </p:sldLayout>
 </file>
 
@@ -1706,6 +2466,29 @@
               <a:rPr lang="en-US" smtClean="0"/>
               <a:t>Click to edit Master title style</a:t>
             </a:r>
+            <a:endParaRPr/>
+          </a:p>
+        </p:txBody>
+      </p:sp>
+      <p:sp>
+        <p:nvSpPr>
+          <p:cNvPr id="4" name="Footer Placeholder 3"/>
+          <p:cNvSpPr>
+            <a:spLocks noGrp="1"/>
+          </p:cNvSpPr>
+          <p:nvPr>
+            <p:ph type="ftr" sz="quarter" idx="11"/>
+          </p:nvPr>
+        </p:nvSpPr>
+        <p:spPr/>
+        <p:txBody>
+          <a:bodyPr/>
+          <a:lstStyle>
+            <a:lvl1pPr>
+              <a:defRPr sz="1100"/>
+            </a:lvl1pPr>
+          </a:lstStyle>
+          <a:p>
             <a:endParaRPr lang="en-US"/>
           </a:p>
         </p:txBody>
@@ -1723,11 +2506,15 @@
         <p:spPr/>
         <p:txBody>
           <a:bodyPr/>
-          <a:lstStyle/>
+          <a:lstStyle>
+            <a:lvl1pPr>
+              <a:defRPr sz="1100"/>
+            </a:lvl1pPr>
+          </a:lstStyle>
           <a:p>
             <a:fld id="{DFB0194B-2825-408F-B5FA-3ED95FC4D2C0}" type="datetimeFigureOut">
               <a:rPr lang="en-US" smtClean="0"/>
-              <a:t>11/8/2018</a:t>
+              <a:t>11/14/2018</a:t>
             </a:fld>
             <a:endParaRPr lang="en-US"/>
           </a:p>
@@ -1735,25 +2522,6 @@
       </p:sp>
       <p:sp>
         <p:nvSpPr>
-          <p:cNvPr id="4" name="Footer Placeholder 3"/>
-          <p:cNvSpPr>
-            <a:spLocks noGrp="1"/>
-          </p:cNvSpPr>
-          <p:nvPr>
-            <p:ph type="ftr" sz="quarter" idx="11"/>
-          </p:nvPr>
-        </p:nvSpPr>
-        <p:spPr/>
-        <p:txBody>
-          <a:bodyPr/>
-          <a:lstStyle/>
-          <a:p>
-            <a:endParaRPr lang="en-US"/>
-          </a:p>
-        </p:txBody>
-      </p:sp>
-      <p:sp>
-        <p:nvSpPr>
           <p:cNvPr id="5" name="Slide Number Placeholder 4"/>
           <p:cNvSpPr>
             <a:spLocks noGrp="1"/>
@@ -1765,7 +2533,11 @@
         <p:spPr/>
         <p:txBody>
           <a:bodyPr/>
-          <a:lstStyle/>
+          <a:lstStyle>
+            <a:lvl1pPr>
+              <a:defRPr sz="1100"/>
+            </a:lvl1pPr>
+          </a:lstStyle>
           <a:p>
             <a:fld id="{22177795-0C2D-417E-A443-41965917A41E}" type="slidenum">
               <a:rPr lang="en-US" smtClean="0"/>
@@ -1778,13 +2550,25 @@
     </p:spTree>
     <p:extLst>
       <p:ext uri="{BB962C8B-B14F-4D97-AF65-F5344CB8AC3E}">
-        <p14:creationId xmlns:p14="http://schemas.microsoft.com/office/powerpoint/2010/main" val="3746090366"/>
+        <p14:creationId xmlns:p14="http://schemas.microsoft.com/office/powerpoint/2010/main" val="786977138"/>
       </p:ext>
     </p:extLst>
   </p:cSld>
   <p:clrMapOvr>
     <a:masterClrMapping/>
   </p:clrMapOvr>
+  <mc:AlternateContent xmlns:mc="http://schemas.openxmlformats.org/markup-compatibility/2006" xmlns:p14="http://schemas.microsoft.com/office/powerpoint/2010/main">
+    <mc:Choice Requires="p14">
+      <p:transition spd="med" p14:dur="700">
+        <p:fade/>
+      </p:transition>
+    </mc:Choice>
+    <mc:Fallback xmlns="">
+      <p:transition spd="med">
+        <p:fade/>
+      </p:transition>
+    </mc:Fallback>
+  </mc:AlternateContent>
 </p:sldLayout>
 </file>
 
@@ -1807,6 +2591,29 @@
       </p:grpSpPr>
       <p:sp>
         <p:nvSpPr>
+          <p:cNvPr id="3" name="Footer Placeholder 2"/>
+          <p:cNvSpPr>
+            <a:spLocks noGrp="1"/>
+          </p:cNvSpPr>
+          <p:nvPr>
+            <p:ph type="ftr" sz="quarter" idx="11"/>
+          </p:nvPr>
+        </p:nvSpPr>
+        <p:spPr/>
+        <p:txBody>
+          <a:bodyPr/>
+          <a:lstStyle>
+            <a:lvl1pPr>
+              <a:defRPr sz="1100"/>
+            </a:lvl1pPr>
+          </a:lstStyle>
+          <a:p>
+            <a:endParaRPr lang="en-US"/>
+          </a:p>
+        </p:txBody>
+      </p:sp>
+      <p:sp>
+        <p:nvSpPr>
           <p:cNvPr id="2" name="Date Placeholder 1"/>
           <p:cNvSpPr>
             <a:spLocks noGrp="1"/>
@@ -1818,11 +2625,15 @@
         <p:spPr/>
         <p:txBody>
           <a:bodyPr/>
-          <a:lstStyle/>
+          <a:lstStyle>
+            <a:lvl1pPr>
+              <a:defRPr sz="1100"/>
+            </a:lvl1pPr>
+          </a:lstStyle>
           <a:p>
             <a:fld id="{DFB0194B-2825-408F-B5FA-3ED95FC4D2C0}" type="datetimeFigureOut">
               <a:rPr lang="en-US" smtClean="0"/>
-              <a:t>11/8/2018</a:t>
+              <a:t>11/14/2018</a:t>
             </a:fld>
             <a:endParaRPr lang="en-US"/>
           </a:p>
@@ -1830,25 +2641,6 @@
       </p:sp>
       <p:sp>
         <p:nvSpPr>
-          <p:cNvPr id="3" name="Footer Placeholder 2"/>
-          <p:cNvSpPr>
-            <a:spLocks noGrp="1"/>
-          </p:cNvSpPr>
-          <p:nvPr>
-            <p:ph type="ftr" sz="quarter" idx="11"/>
-          </p:nvPr>
-        </p:nvSpPr>
-        <p:spPr/>
-        <p:txBody>
-          <a:bodyPr/>
-          <a:lstStyle/>
-          <a:p>
-            <a:endParaRPr lang="en-US"/>
-          </a:p>
-        </p:txBody>
-      </p:sp>
-      <p:sp>
-        <p:nvSpPr>
           <p:cNvPr id="4" name="Slide Number Placeholder 3"/>
           <p:cNvSpPr>
             <a:spLocks noGrp="1"/>
@@ -1860,7 +2652,11 @@
         <p:spPr/>
         <p:txBody>
           <a:bodyPr/>
-          <a:lstStyle/>
+          <a:lstStyle>
+            <a:lvl1pPr>
+              <a:defRPr sz="1100"/>
+            </a:lvl1pPr>
+          </a:lstStyle>
           <a:p>
             <a:fld id="{22177795-0C2D-417E-A443-41965917A41E}" type="slidenum">
               <a:rPr lang="en-US" smtClean="0"/>
@@ -1873,13 +2669,30 @@
     </p:spTree>
     <p:extLst>
       <p:ext uri="{BB962C8B-B14F-4D97-AF65-F5344CB8AC3E}">
-        <p14:creationId xmlns:p14="http://schemas.microsoft.com/office/powerpoint/2010/main" val="996255157"/>
+        <p14:creationId xmlns:p14="http://schemas.microsoft.com/office/powerpoint/2010/main" val="3503654687"/>
       </p:ext>
     </p:extLst>
   </p:cSld>
   <p:clrMapOvr>
     <a:masterClrMapping/>
   </p:clrMapOvr>
+  <mc:AlternateContent xmlns:mc="http://schemas.openxmlformats.org/markup-compatibility/2006" xmlns:p14="http://schemas.microsoft.com/office/powerpoint/2010/main">
+    <mc:Choice Requires="p14">
+      <p:transition spd="med" p14:dur="700">
+        <p:fade/>
+      </p:transition>
+    </mc:Choice>
+    <mc:Fallback xmlns="">
+      <p:transition spd="med">
+        <p:fade/>
+      </p:transition>
+    </mc:Fallback>
+  </mc:AlternateContent>
+  <p:extLst>
+    <p:ext uri="{DCECCB84-F9BA-43D5-87BE-67443E8EF086}">
+      <p15:sldGuideLst xmlns:p15="http://schemas.microsoft.com/office/powerpoint/2012/main"/>
+    </p:ext>
+  </p:extLst>
 </p:sldLayout>
 </file>
 
@@ -1902,204 +2715,337 @@
       </p:grpSpPr>
       <p:sp>
         <p:nvSpPr>
-          <p:cNvPr id="2" name="Title 1"/>
-          <p:cNvSpPr>
-            <a:spLocks noGrp="1"/>
-          </p:cNvSpPr>
-          <p:nvPr>
-            <p:ph type="title"/>
-          </p:nvPr>
+          <p:cNvPr id="10" name="Rectangle 9"/>
+          <p:cNvSpPr/>
+          <p:nvPr/>
         </p:nvSpPr>
         <p:spPr>
           <a:xfrm>
-            <a:off x="839788" y="457200"/>
-            <a:ext cx="3932237" cy="1600200"/>
+            <a:off x="608171" y="0"/>
+            <a:ext cx="4884835" cy="6858000"/>
+          </a:xfrm>
+          <a:prstGeom prst="rect">
+            <a:avLst/>
+          </a:prstGeom>
+          <a:solidFill>
+            <a:schemeClr val="bg2">
+              <a:alpha val="50000"/>
+            </a:schemeClr>
+          </a:solidFill>
+          <a:ln>
+            <a:noFill/>
+          </a:ln>
+        </p:spPr>
+        <p:style>
+          <a:lnRef idx="2">
+            <a:schemeClr val="accent1">
+              <a:shade val="50000"/>
+            </a:schemeClr>
+          </a:lnRef>
+          <a:fillRef idx="1">
+            <a:schemeClr val="accent1"/>
+          </a:fillRef>
+          <a:effectRef idx="0">
+            <a:schemeClr val="accent1"/>
+          </a:effectRef>
+          <a:fontRef idx="minor">
+            <a:schemeClr val="lt1"/>
+          </a:fontRef>
+        </p:style>
+        <p:txBody>
+          <a:bodyPr rtlCol="0" anchor="ctr"/>
+          <a:lstStyle/>
+          <a:p>
+            <a:pPr lvl="0" algn="ctr"/>
+            <a:endParaRPr sz="1800"/>
+          </a:p>
+        </p:txBody>
+      </p:sp>
+      <p:sp>
+        <p:nvSpPr>
+          <p:cNvPr id="11" name="Rectangle 10"/>
+          <p:cNvSpPr/>
+          <p:nvPr/>
+        </p:nvSpPr>
+        <p:spPr>
+          <a:xfrm>
+            <a:off x="699634" y="0"/>
+            <a:ext cx="4701908" cy="6858000"/>
+          </a:xfrm>
+          <a:prstGeom prst="rect">
+            <a:avLst/>
+          </a:prstGeom>
+          <a:solidFill>
+            <a:schemeClr val="accent2">
+              <a:lumMod val="75000"/>
+              <a:alpha val="72000"/>
+            </a:schemeClr>
+          </a:solidFill>
+          <a:ln>
+            <a:noFill/>
+          </a:ln>
+        </p:spPr>
+        <p:style>
+          <a:lnRef idx="2">
+            <a:schemeClr val="accent1">
+              <a:shade val="50000"/>
+            </a:schemeClr>
+          </a:lnRef>
+          <a:fillRef idx="1">
+            <a:schemeClr val="accent1"/>
+          </a:fillRef>
+          <a:effectRef idx="0">
+            <a:schemeClr val="accent1"/>
+          </a:effectRef>
+          <a:fontRef idx="minor">
+            <a:schemeClr val="lt1"/>
+          </a:fontRef>
+        </p:style>
+        <p:txBody>
+          <a:bodyPr rtlCol="0" anchor="ctr"/>
+          <a:lstStyle/>
+          <a:p>
+            <a:pPr lvl="0" algn="ctr"/>
+            <a:endParaRPr sz="1800"/>
+          </a:p>
+        </p:txBody>
+      </p:sp>
+      <p:sp>
+        <p:nvSpPr>
+          <p:cNvPr id="2" name="Title 1"/>
+          <p:cNvSpPr>
+            <a:spLocks noGrp="1"/>
+          </p:cNvSpPr>
+          <p:nvPr>
+            <p:ph type="title"/>
+          </p:nvPr>
+        </p:nvSpPr>
+        <p:spPr>
+          <a:xfrm>
+            <a:off x="1294150" y="685800"/>
+            <a:ext cx="3582333" cy="3886200"/>
           </a:xfrm>
         </p:spPr>
         <p:txBody>
-          <a:bodyPr anchor="b"/>
+          <a:bodyPr anchor="b">
+            <a:noAutofit/>
+          </a:bodyPr>
+          <a:lstStyle>
+            <a:lvl1pPr algn="l">
+              <a:defRPr sz="4000" b="0"/>
+            </a:lvl1pPr>
+          </a:lstStyle>
+          <a:p>
+            <a:r>
+              <a:rPr lang="en-US" smtClean="0"/>
+              <a:t>Click to edit Master title style</a:t>
+            </a:r>
+            <a:endParaRPr dirty="0"/>
+          </a:p>
+        </p:txBody>
+      </p:sp>
+      <p:sp>
+        <p:nvSpPr>
+          <p:cNvPr id="4" name="Text Placeholder 3"/>
+          <p:cNvSpPr>
+            <a:spLocks noGrp="1"/>
+          </p:cNvSpPr>
+          <p:nvPr>
+            <p:ph type="body" sz="half" idx="2"/>
+          </p:nvPr>
+        </p:nvSpPr>
+        <p:spPr>
+          <a:xfrm>
+            <a:off x="1294150" y="4724400"/>
+            <a:ext cx="3582333" cy="1401764"/>
+          </a:xfrm>
+        </p:spPr>
+        <p:txBody>
+          <a:bodyPr>
+            <a:normAutofit/>
+          </a:bodyPr>
+          <a:lstStyle>
+            <a:lvl1pPr marL="0" indent="0">
+              <a:spcBef>
+                <a:spcPts val="1200"/>
+              </a:spcBef>
+              <a:buNone/>
+              <a:defRPr sz="2000"/>
+            </a:lvl1pPr>
+            <a:lvl2pPr marL="457200" indent="0">
+              <a:buNone/>
+              <a:defRPr sz="1200"/>
+            </a:lvl2pPr>
+            <a:lvl3pPr marL="914400" indent="0">
+              <a:buNone/>
+              <a:defRPr sz="1000"/>
+            </a:lvl3pPr>
+            <a:lvl4pPr marL="1371600" indent="0">
+              <a:buNone/>
+              <a:defRPr sz="900"/>
+            </a:lvl4pPr>
+            <a:lvl5pPr marL="1828800" indent="0">
+              <a:buNone/>
+              <a:defRPr sz="900"/>
+            </a:lvl5pPr>
+            <a:lvl6pPr marL="2286000" indent="0">
+              <a:buNone/>
+              <a:defRPr sz="900"/>
+            </a:lvl6pPr>
+            <a:lvl7pPr marL="2743200" indent="0">
+              <a:buNone/>
+              <a:defRPr sz="900"/>
+            </a:lvl7pPr>
+            <a:lvl8pPr marL="3200400" indent="0">
+              <a:buNone/>
+              <a:defRPr sz="900"/>
+            </a:lvl8pPr>
+            <a:lvl9pPr marL="3657600" indent="0">
+              <a:buNone/>
+              <a:defRPr sz="900"/>
+            </a:lvl9pPr>
+          </a:lstStyle>
+          <a:p>
+            <a:pPr lvl="0"/>
+            <a:r>
+              <a:rPr lang="en-US" smtClean="0"/>
+              <a:t>Edit Master text styles</a:t>
+            </a:r>
+          </a:p>
+        </p:txBody>
+      </p:sp>
+      <p:sp>
+        <p:nvSpPr>
+          <p:cNvPr id="3" name="Content Placeholder 2"/>
+          <p:cNvSpPr>
+            <a:spLocks noGrp="1"/>
+          </p:cNvSpPr>
+          <p:nvPr>
+            <p:ph idx="1"/>
+          </p:nvPr>
+        </p:nvSpPr>
+        <p:spPr>
+          <a:xfrm>
+            <a:off x="6096000" y="685800"/>
+            <a:ext cx="5486399" cy="5486400"/>
+          </a:xfrm>
+        </p:spPr>
+        <p:txBody>
+          <a:bodyPr>
+            <a:normAutofit/>
+          </a:bodyPr>
           <a:lstStyle>
             <a:lvl1pPr>
-              <a:defRPr sz="3200"/>
+              <a:defRPr sz="2400"/>
+            </a:lvl1pPr>
+            <a:lvl2pPr>
+              <a:defRPr sz="2000"/>
+            </a:lvl2pPr>
+            <a:lvl3pPr>
+              <a:defRPr sz="1800"/>
+            </a:lvl3pPr>
+            <a:lvl4pPr>
+              <a:defRPr sz="1600"/>
+            </a:lvl4pPr>
+            <a:lvl5pPr>
+              <a:defRPr sz="1600"/>
+            </a:lvl5pPr>
+            <a:lvl6pPr>
+              <a:defRPr sz="1600"/>
+            </a:lvl6pPr>
+            <a:lvl7pPr>
+              <a:defRPr sz="1600"/>
+            </a:lvl7pPr>
+            <a:lvl8pPr>
+              <a:defRPr sz="1600"/>
+            </a:lvl8pPr>
+            <a:lvl9pPr>
+              <a:defRPr sz="1600"/>
+            </a:lvl9pPr>
+          </a:lstStyle>
+          <a:p>
+            <a:pPr lvl="0"/>
+            <a:r>
+              <a:rPr lang="en-US" smtClean="0"/>
+              <a:t>Edit Master text styles</a:t>
+            </a:r>
+          </a:p>
+          <a:p>
+            <a:pPr lvl="1"/>
+            <a:r>
+              <a:rPr lang="en-US" smtClean="0"/>
+              <a:t>Second level</a:t>
+            </a:r>
+          </a:p>
+          <a:p>
+            <a:pPr lvl="2"/>
+            <a:r>
+              <a:rPr lang="en-US" smtClean="0"/>
+              <a:t>Third level</a:t>
+            </a:r>
+          </a:p>
+          <a:p>
+            <a:pPr lvl="3"/>
+            <a:r>
+              <a:rPr lang="en-US" smtClean="0"/>
+              <a:t>Fourth level</a:t>
+            </a:r>
+          </a:p>
+          <a:p>
+            <a:pPr lvl="4"/>
+            <a:r>
+              <a:rPr lang="en-US" smtClean="0"/>
+              <a:t>Fifth level</a:t>
+            </a:r>
+            <a:endParaRPr/>
+          </a:p>
+        </p:txBody>
+      </p:sp>
+      <p:sp>
+        <p:nvSpPr>
+          <p:cNvPr id="6" name="Footer Placeholder 5"/>
+          <p:cNvSpPr>
+            <a:spLocks noGrp="1"/>
+          </p:cNvSpPr>
+          <p:nvPr>
+            <p:ph type="ftr" sz="quarter" idx="11"/>
+          </p:nvPr>
+        </p:nvSpPr>
+        <p:spPr/>
+        <p:txBody>
+          <a:bodyPr/>
+          <a:lstStyle>
+            <a:lvl1pPr>
+              <a:defRPr sz="1100"/>
             </a:lvl1pPr>
           </a:lstStyle>
           <a:p>
-            <a:r>
-              <a:rPr lang="en-US" smtClean="0"/>
-              <a:t>Click to edit Master title style</a:t>
-            </a:r>
             <a:endParaRPr lang="en-US"/>
           </a:p>
         </p:txBody>
       </p:sp>
       <p:sp>
         <p:nvSpPr>
-          <p:cNvPr id="3" name="Content Placeholder 2"/>
-          <p:cNvSpPr>
-            <a:spLocks noGrp="1"/>
-          </p:cNvSpPr>
-          <p:nvPr>
-            <p:ph idx="1"/>
-          </p:nvPr>
-        </p:nvSpPr>
-        <p:spPr>
-          <a:xfrm>
-            <a:off x="5183188" y="987425"/>
-            <a:ext cx="6172200" cy="4873625"/>
-          </a:xfrm>
-        </p:spPr>
+          <p:cNvPr id="5" name="Date Placeholder 4"/>
+          <p:cNvSpPr>
+            <a:spLocks noGrp="1"/>
+          </p:cNvSpPr>
+          <p:nvPr>
+            <p:ph type="dt" sz="half" idx="10"/>
+          </p:nvPr>
+        </p:nvSpPr>
+        <p:spPr/>
         <p:txBody>
           <a:bodyPr/>
           <a:lstStyle>
             <a:lvl1pPr>
-              <a:defRPr sz="3200"/>
+              <a:defRPr sz="1100"/>
             </a:lvl1pPr>
-            <a:lvl2pPr>
-              <a:defRPr sz="2800"/>
-            </a:lvl2pPr>
-            <a:lvl3pPr>
-              <a:defRPr sz="2400"/>
-            </a:lvl3pPr>
-            <a:lvl4pPr>
-              <a:defRPr sz="2000"/>
-            </a:lvl4pPr>
-            <a:lvl5pPr>
-              <a:defRPr sz="2000"/>
-            </a:lvl5pPr>
-            <a:lvl6pPr>
-              <a:defRPr sz="2000"/>
-            </a:lvl6pPr>
-            <a:lvl7pPr>
-              <a:defRPr sz="2000"/>
-            </a:lvl7pPr>
-            <a:lvl8pPr>
-              <a:defRPr sz="2000"/>
-            </a:lvl8pPr>
-            <a:lvl9pPr>
-              <a:defRPr sz="2000"/>
-            </a:lvl9pPr>
           </a:lstStyle>
           <a:p>
-            <a:pPr lvl="0"/>
-            <a:r>
-              <a:rPr lang="en-US" smtClean="0"/>
-              <a:t>Edit Master text styles</a:t>
-            </a:r>
-          </a:p>
-          <a:p>
-            <a:pPr lvl="1"/>
-            <a:r>
-              <a:rPr lang="en-US" smtClean="0"/>
-              <a:t>Second level</a:t>
-            </a:r>
-          </a:p>
-          <a:p>
-            <a:pPr lvl="2"/>
-            <a:r>
-              <a:rPr lang="en-US" smtClean="0"/>
-              <a:t>Third level</a:t>
-            </a:r>
-          </a:p>
-          <a:p>
-            <a:pPr lvl="3"/>
-            <a:r>
-              <a:rPr lang="en-US" smtClean="0"/>
-              <a:t>Fourth level</a:t>
-            </a:r>
-          </a:p>
-          <a:p>
-            <a:pPr lvl="4"/>
-            <a:r>
-              <a:rPr lang="en-US" smtClean="0"/>
-              <a:t>Fifth level</a:t>
-            </a:r>
-            <a:endParaRPr lang="en-US"/>
-          </a:p>
-        </p:txBody>
-      </p:sp>
-      <p:sp>
-        <p:nvSpPr>
-          <p:cNvPr id="4" name="Text Placeholder 3"/>
-          <p:cNvSpPr>
-            <a:spLocks noGrp="1"/>
-          </p:cNvSpPr>
-          <p:nvPr>
-            <p:ph type="body" sz="half" idx="2"/>
-          </p:nvPr>
-        </p:nvSpPr>
-        <p:spPr>
-          <a:xfrm>
-            <a:off x="839788" y="2057400"/>
-            <a:ext cx="3932237" cy="3811588"/>
-          </a:xfrm>
-        </p:spPr>
-        <p:txBody>
-          <a:bodyPr/>
-          <a:lstStyle>
-            <a:lvl1pPr marL="0" indent="0">
-              <a:buNone/>
-              <a:defRPr sz="1600"/>
-            </a:lvl1pPr>
-            <a:lvl2pPr marL="457200" indent="0">
-              <a:buNone/>
-              <a:defRPr sz="1400"/>
-            </a:lvl2pPr>
-            <a:lvl3pPr marL="914400" indent="0">
-              <a:buNone/>
-              <a:defRPr sz="1200"/>
-            </a:lvl3pPr>
-            <a:lvl4pPr marL="1371600" indent="0">
-              <a:buNone/>
-              <a:defRPr sz="1000"/>
-            </a:lvl4pPr>
-            <a:lvl5pPr marL="1828800" indent="0">
-              <a:buNone/>
-              <a:defRPr sz="1000"/>
-            </a:lvl5pPr>
-            <a:lvl6pPr marL="2286000" indent="0">
-              <a:buNone/>
-              <a:defRPr sz="1000"/>
-            </a:lvl6pPr>
-            <a:lvl7pPr marL="2743200" indent="0">
-              <a:buNone/>
-              <a:defRPr sz="1000"/>
-            </a:lvl7pPr>
-            <a:lvl8pPr marL="3200400" indent="0">
-              <a:buNone/>
-              <a:defRPr sz="1000"/>
-            </a:lvl8pPr>
-            <a:lvl9pPr marL="3657600" indent="0">
-              <a:buNone/>
-              <a:defRPr sz="1000"/>
-            </a:lvl9pPr>
-          </a:lstStyle>
-          <a:p>
-            <a:pPr lvl="0"/>
-            <a:r>
-              <a:rPr lang="en-US" smtClean="0"/>
-              <a:t>Edit Master text styles</a:t>
-            </a:r>
-          </a:p>
-        </p:txBody>
-      </p:sp>
-      <p:sp>
-        <p:nvSpPr>
-          <p:cNvPr id="5" name="Date Placeholder 4"/>
-          <p:cNvSpPr>
-            <a:spLocks noGrp="1"/>
-          </p:cNvSpPr>
-          <p:nvPr>
-            <p:ph type="dt" sz="half" idx="10"/>
-          </p:nvPr>
-        </p:nvSpPr>
-        <p:spPr/>
-        <p:txBody>
-          <a:bodyPr/>
-          <a:lstStyle/>
-          <a:p>
             <a:fld id="{DFB0194B-2825-408F-B5FA-3ED95FC4D2C0}" type="datetimeFigureOut">
               <a:rPr lang="en-US" smtClean="0"/>
-              <a:t>11/8/2018</a:t>
+              <a:t>11/14/2018</a:t>
             </a:fld>
             <a:endParaRPr lang="en-US"/>
           </a:p>
@@ -2107,25 +3053,6 @@
       </p:sp>
       <p:sp>
         <p:nvSpPr>
-          <p:cNvPr id="6" name="Footer Placeholder 5"/>
-          <p:cNvSpPr>
-            <a:spLocks noGrp="1"/>
-          </p:cNvSpPr>
-          <p:nvPr>
-            <p:ph type="ftr" sz="quarter" idx="11"/>
-          </p:nvPr>
-        </p:nvSpPr>
-        <p:spPr/>
-        <p:txBody>
-          <a:bodyPr/>
-          <a:lstStyle/>
-          <a:p>
-            <a:endParaRPr lang="en-US"/>
-          </a:p>
-        </p:txBody>
-      </p:sp>
-      <p:sp>
-        <p:nvSpPr>
           <p:cNvPr id="7" name="Slide Number Placeholder 6"/>
           <p:cNvSpPr>
             <a:spLocks noGrp="1"/>
@@ -2137,7 +3064,11 @@
         <p:spPr/>
         <p:txBody>
           <a:bodyPr/>
-          <a:lstStyle/>
+          <a:lstStyle>
+            <a:lvl1pPr>
+              <a:defRPr sz="1100"/>
+            </a:lvl1pPr>
+          </a:lstStyle>
           <a:p>
             <a:fld id="{22177795-0C2D-417E-A443-41965917A41E}" type="slidenum">
               <a:rPr lang="en-US" smtClean="0"/>
@@ -2150,13 +3081,30 @@
     </p:spTree>
     <p:extLst>
       <p:ext uri="{BB962C8B-B14F-4D97-AF65-F5344CB8AC3E}">
-        <p14:creationId xmlns:p14="http://schemas.microsoft.com/office/powerpoint/2010/main" val="3508113503"/>
+        <p14:creationId xmlns:p14="http://schemas.microsoft.com/office/powerpoint/2010/main" val="1944760662"/>
       </p:ext>
     </p:extLst>
   </p:cSld>
   <p:clrMapOvr>
     <a:masterClrMapping/>
   </p:clrMapOvr>
+  <mc:AlternateContent xmlns:mc="http://schemas.openxmlformats.org/markup-compatibility/2006" xmlns:p14="http://schemas.microsoft.com/office/powerpoint/2010/main">
+    <mc:Choice Requires="p14">
+      <p:transition spd="med" p14:dur="700">
+        <p:fade/>
+      </p:transition>
+    </mc:Choice>
+    <mc:Fallback xmlns="">
+      <p:transition spd="med">
+        <p:fade/>
+      </p:transition>
+    </mc:Fallback>
+  </mc:AlternateContent>
+  <p:extLst>
+    <p:ext uri="{DCECCB84-F9BA-43D5-87BE-67443E8EF086}">
+      <p15:sldGuideLst xmlns:p15="http://schemas.microsoft.com/office/powerpoint/2012/main"/>
+    </p:ext>
+  </p:extLst>
 </p:sldLayout>
 </file>
 
@@ -2179,25 +3127,124 @@
       </p:grpSpPr>
       <p:sp>
         <p:nvSpPr>
-          <p:cNvPr id="2" name="Title 1"/>
-          <p:cNvSpPr>
-            <a:spLocks noGrp="1"/>
-          </p:cNvSpPr>
-          <p:nvPr>
-            <p:ph type="title"/>
-          </p:nvPr>
+          <p:cNvPr id="12" name="Rectangle 11"/>
+          <p:cNvSpPr/>
+          <p:nvPr/>
         </p:nvSpPr>
         <p:spPr>
           <a:xfrm>
-            <a:off x="839788" y="457200"/>
-            <a:ext cx="3932237" cy="1600200"/>
+            <a:off x="608171" y="0"/>
+            <a:ext cx="4884835" cy="6858000"/>
+          </a:xfrm>
+          <a:prstGeom prst="rect">
+            <a:avLst/>
+          </a:prstGeom>
+          <a:solidFill>
+            <a:schemeClr val="bg2">
+              <a:alpha val="50000"/>
+            </a:schemeClr>
+          </a:solidFill>
+          <a:ln>
+            <a:noFill/>
+          </a:ln>
+        </p:spPr>
+        <p:style>
+          <a:lnRef idx="2">
+            <a:schemeClr val="accent1">
+              <a:shade val="50000"/>
+            </a:schemeClr>
+          </a:lnRef>
+          <a:fillRef idx="1">
+            <a:schemeClr val="accent1"/>
+          </a:fillRef>
+          <a:effectRef idx="0">
+            <a:schemeClr val="accent1"/>
+          </a:effectRef>
+          <a:fontRef idx="minor">
+            <a:schemeClr val="lt1"/>
+          </a:fontRef>
+        </p:style>
+        <p:txBody>
+          <a:bodyPr rtlCol="0" anchor="ctr"/>
+          <a:lstStyle/>
+          <a:p>
+            <a:pPr lvl="0" algn="ctr"/>
+            <a:endParaRPr sz="1800"/>
+          </a:p>
+        </p:txBody>
+      </p:sp>
+      <p:sp>
+        <p:nvSpPr>
+          <p:cNvPr id="13" name="Rectangle 12"/>
+          <p:cNvSpPr/>
+          <p:nvPr/>
+        </p:nvSpPr>
+        <p:spPr>
+          <a:xfrm>
+            <a:off x="699634" y="0"/>
+            <a:ext cx="4701908" cy="6858000"/>
+          </a:xfrm>
+          <a:prstGeom prst="rect">
+            <a:avLst/>
+          </a:prstGeom>
+          <a:solidFill>
+            <a:schemeClr val="accent2">
+              <a:lumMod val="75000"/>
+              <a:alpha val="72000"/>
+            </a:schemeClr>
+          </a:solidFill>
+          <a:ln>
+            <a:noFill/>
+          </a:ln>
+        </p:spPr>
+        <p:style>
+          <a:lnRef idx="2">
+            <a:schemeClr val="accent1">
+              <a:shade val="50000"/>
+            </a:schemeClr>
+          </a:lnRef>
+          <a:fillRef idx="1">
+            <a:schemeClr val="accent1"/>
+          </a:fillRef>
+          <a:effectRef idx="0">
+            <a:schemeClr val="accent1"/>
+          </a:effectRef>
+          <a:fontRef idx="minor">
+            <a:schemeClr val="lt1"/>
+          </a:fontRef>
+        </p:style>
+        <p:txBody>
+          <a:bodyPr rtlCol="0" anchor="ctr"/>
+          <a:lstStyle/>
+          <a:p>
+            <a:pPr lvl="0" algn="ctr"/>
+            <a:endParaRPr sz="1800"/>
+          </a:p>
+        </p:txBody>
+      </p:sp>
+      <p:sp>
+        <p:nvSpPr>
+          <p:cNvPr id="2" name="Title 1"/>
+          <p:cNvSpPr>
+            <a:spLocks noGrp="1"/>
+          </p:cNvSpPr>
+          <p:nvPr>
+            <p:ph type="title"/>
+          </p:nvPr>
+        </p:nvSpPr>
+        <p:spPr>
+          <a:xfrm>
+            <a:off x="1294150" y="685800"/>
+            <a:ext cx="3582333" cy="3886200"/>
           </a:xfrm>
         </p:spPr>
         <p:txBody>
-          <a:bodyPr anchor="b"/>
+          <a:bodyPr anchor="b">
+            <a:noAutofit/>
+          </a:bodyPr>
           <a:lstStyle>
-            <a:lvl1pPr>
-              <a:defRPr sz="3200"/>
+            <a:lvl1pPr algn="l">
+              <a:defRPr sz="4000" b="0"/>
             </a:lvl1pPr>
           </a:lstStyle>
           <a:p>
@@ -2205,32 +3252,122 @@
               <a:rPr lang="en-US" smtClean="0"/>
               <a:t>Click to edit Master title style</a:t>
             </a:r>
-            <a:endParaRPr lang="en-US"/>
-          </a:p>
-        </p:txBody>
-      </p:sp>
-      <p:sp>
-        <p:nvSpPr>
-          <p:cNvPr id="3" name="Picture Placeholder 2"/>
-          <p:cNvSpPr>
-            <a:spLocks noGrp="1"/>
-          </p:cNvSpPr>
-          <p:nvPr>
-            <p:ph type="pic" idx="1"/>
+            <a:endParaRPr/>
+          </a:p>
+        </p:txBody>
+      </p:sp>
+      <p:sp>
+        <p:nvSpPr>
+          <p:cNvPr id="4" name="Text Placeholder 3"/>
+          <p:cNvSpPr>
+            <a:spLocks noGrp="1"/>
+          </p:cNvSpPr>
+          <p:nvPr>
+            <p:ph type="body" sz="half" idx="2"/>
           </p:nvPr>
         </p:nvSpPr>
         <p:spPr>
           <a:xfrm>
-            <a:off x="5183188" y="987425"/>
-            <a:ext cx="6172200" cy="4873625"/>
+            <a:off x="1294150" y="4724400"/>
+            <a:ext cx="3582333" cy="1401764"/>
           </a:xfrm>
         </p:spPr>
         <p:txBody>
-          <a:bodyPr/>
+          <a:bodyPr>
+            <a:normAutofit/>
+          </a:bodyPr>
           <a:lstStyle>
             <a:lvl1pPr marL="0" indent="0">
-              <a:buNone/>
-              <a:defRPr sz="3200"/>
+              <a:spcBef>
+                <a:spcPts val="1200"/>
+              </a:spcBef>
+              <a:buNone/>
+              <a:defRPr sz="2000"/>
+            </a:lvl1pPr>
+            <a:lvl2pPr marL="457200" indent="0">
+              <a:buNone/>
+              <a:defRPr sz="1200"/>
+            </a:lvl2pPr>
+            <a:lvl3pPr marL="914400" indent="0">
+              <a:buNone/>
+              <a:defRPr sz="1000"/>
+            </a:lvl3pPr>
+            <a:lvl4pPr marL="1371600" indent="0">
+              <a:buNone/>
+              <a:defRPr sz="900"/>
+            </a:lvl4pPr>
+            <a:lvl5pPr marL="1828800" indent="0">
+              <a:buNone/>
+              <a:defRPr sz="900"/>
+            </a:lvl5pPr>
+            <a:lvl6pPr marL="2286000" indent="0">
+              <a:buNone/>
+              <a:defRPr sz="900"/>
+            </a:lvl6pPr>
+            <a:lvl7pPr marL="2743200" indent="0">
+              <a:buNone/>
+              <a:defRPr sz="900"/>
+            </a:lvl7pPr>
+            <a:lvl8pPr marL="3200400" indent="0">
+              <a:buNone/>
+              <a:defRPr sz="900"/>
+            </a:lvl8pPr>
+            <a:lvl9pPr marL="3657600" indent="0">
+              <a:buNone/>
+              <a:defRPr sz="900"/>
+            </a:lvl9pPr>
+          </a:lstStyle>
+          <a:p>
+            <a:pPr lvl="0"/>
+            <a:r>
+              <a:rPr lang="en-US" smtClean="0"/>
+              <a:t>Edit Master text styles</a:t>
+            </a:r>
+          </a:p>
+        </p:txBody>
+      </p:sp>
+      <p:sp>
+        <p:nvSpPr>
+          <p:cNvPr id="3" name="Picture Placeholder 2" descr="An empty placeholder to add an image. Click on the placeholder and select the image that you wish to add.&#10;"/>
+          <p:cNvSpPr>
+            <a:spLocks noGrp="1"/>
+          </p:cNvSpPr>
+          <p:nvPr>
+            <p:ph type="pic" idx="1"/>
+          </p:nvPr>
+        </p:nvSpPr>
+        <p:spPr>
+          <a:xfrm>
+            <a:off x="6096001" y="685800"/>
+            <a:ext cx="5487829" cy="5486400"/>
+          </a:xfrm>
+          <a:solidFill>
+            <a:schemeClr val="tx2">
+              <a:lumMod val="10000"/>
+            </a:schemeClr>
+          </a:solidFill>
+          <a:ln w="50800">
+            <a:solidFill>
+              <a:schemeClr val="tx1"/>
+            </a:solidFill>
+            <a:miter lim="800000"/>
+          </a:ln>
+          <a:effectLst>
+            <a:outerShdw blurRad="190500" algn="ctr" rotWithShape="0">
+              <a:prstClr val="black">
+                <a:alpha val="50000"/>
+              </a:prstClr>
+            </a:outerShdw>
+          </a:effectLst>
+        </p:spPr>
+        <p:txBody>
+          <a:bodyPr>
+            <a:normAutofit/>
+          </a:bodyPr>
+          <a:lstStyle>
+            <a:lvl1pPr marL="0" indent="0" algn="ctr">
+              <a:buNone/>
+              <a:defRPr sz="2400"/>
             </a:lvl1pPr>
             <a:lvl2pPr marL="457200" indent="0">
               <a:buNone/>
@@ -2266,93 +3403,59 @@
             </a:lvl9pPr>
           </a:lstStyle>
           <a:p>
+            <a:r>
+              <a:rPr lang="en-US" smtClean="0"/>
+              <a:t>Click icon to add picture</a:t>
+            </a:r>
+            <a:endParaRPr/>
+          </a:p>
+        </p:txBody>
+      </p:sp>
+      <p:sp>
+        <p:nvSpPr>
+          <p:cNvPr id="6" name="Footer Placeholder 5"/>
+          <p:cNvSpPr>
+            <a:spLocks noGrp="1"/>
+          </p:cNvSpPr>
+          <p:nvPr>
+            <p:ph type="ftr" sz="quarter" idx="11"/>
+          </p:nvPr>
+        </p:nvSpPr>
+        <p:spPr/>
+        <p:txBody>
+          <a:bodyPr/>
+          <a:lstStyle>
+            <a:lvl1pPr>
+              <a:defRPr sz="1100"/>
+            </a:lvl1pPr>
+          </a:lstStyle>
+          <a:p>
             <a:endParaRPr lang="en-US"/>
           </a:p>
         </p:txBody>
       </p:sp>
       <p:sp>
         <p:nvSpPr>
-          <p:cNvPr id="4" name="Text Placeholder 3"/>
-          <p:cNvSpPr>
-            <a:spLocks noGrp="1"/>
-          </p:cNvSpPr>
-          <p:nvPr>
-            <p:ph type="body" sz="half" idx="2"/>
-          </p:nvPr>
-        </p:nvSpPr>
-        <p:spPr>
-          <a:xfrm>
-            <a:off x="839788" y="2057400"/>
-            <a:ext cx="3932237" cy="3811588"/>
-          </a:xfrm>
-        </p:spPr>
+          <p:cNvPr id="5" name="Date Placeholder 4"/>
+          <p:cNvSpPr>
+            <a:spLocks noGrp="1"/>
+          </p:cNvSpPr>
+          <p:nvPr>
+            <p:ph type="dt" sz="half" idx="10"/>
+          </p:nvPr>
+        </p:nvSpPr>
+        <p:spPr/>
         <p:txBody>
           <a:bodyPr/>
           <a:lstStyle>
-            <a:lvl1pPr marL="0" indent="0">
-              <a:buNone/>
-              <a:defRPr sz="1600"/>
+            <a:lvl1pPr>
+              <a:defRPr sz="1100"/>
             </a:lvl1pPr>
-            <a:lvl2pPr marL="457200" indent="0">
-              <a:buNone/>
-              <a:defRPr sz="1400"/>
-            </a:lvl2pPr>
-            <a:lvl3pPr marL="914400" indent="0">
-              <a:buNone/>
-              <a:defRPr sz="1200"/>
-            </a:lvl3pPr>
-            <a:lvl4pPr marL="1371600" indent="0">
-              <a:buNone/>
-              <a:defRPr sz="1000"/>
-            </a:lvl4pPr>
-            <a:lvl5pPr marL="1828800" indent="0">
-              <a:buNone/>
-              <a:defRPr sz="1000"/>
-            </a:lvl5pPr>
-            <a:lvl6pPr marL="2286000" indent="0">
-              <a:buNone/>
-              <a:defRPr sz="1000"/>
-            </a:lvl6pPr>
-            <a:lvl7pPr marL="2743200" indent="0">
-              <a:buNone/>
-              <a:defRPr sz="1000"/>
-            </a:lvl7pPr>
-            <a:lvl8pPr marL="3200400" indent="0">
-              <a:buNone/>
-              <a:defRPr sz="1000"/>
-            </a:lvl8pPr>
-            <a:lvl9pPr marL="3657600" indent="0">
-              <a:buNone/>
-              <a:defRPr sz="1000"/>
-            </a:lvl9pPr>
           </a:lstStyle>
           <a:p>
-            <a:pPr lvl="0"/>
-            <a:r>
-              <a:rPr lang="en-US" smtClean="0"/>
-              <a:t>Edit Master text styles</a:t>
-            </a:r>
-          </a:p>
-        </p:txBody>
-      </p:sp>
-      <p:sp>
-        <p:nvSpPr>
-          <p:cNvPr id="5" name="Date Placeholder 4"/>
-          <p:cNvSpPr>
-            <a:spLocks noGrp="1"/>
-          </p:cNvSpPr>
-          <p:nvPr>
-            <p:ph type="dt" sz="half" idx="10"/>
-          </p:nvPr>
-        </p:nvSpPr>
-        <p:spPr/>
-        <p:txBody>
-          <a:bodyPr/>
-          <a:lstStyle/>
-          <a:p>
             <a:fld id="{DFB0194B-2825-408F-B5FA-3ED95FC4D2C0}" type="datetimeFigureOut">
               <a:rPr lang="en-US" smtClean="0"/>
-              <a:t>11/8/2018</a:t>
+              <a:t>11/14/2018</a:t>
             </a:fld>
             <a:endParaRPr lang="en-US"/>
           </a:p>
@@ -2360,25 +3463,6 @@
       </p:sp>
       <p:sp>
         <p:nvSpPr>
-          <p:cNvPr id="6" name="Footer Placeholder 5"/>
-          <p:cNvSpPr>
-            <a:spLocks noGrp="1"/>
-          </p:cNvSpPr>
-          <p:nvPr>
-            <p:ph type="ftr" sz="quarter" idx="11"/>
-          </p:nvPr>
-        </p:nvSpPr>
-        <p:spPr/>
-        <p:txBody>
-          <a:bodyPr/>
-          <a:lstStyle/>
-          <a:p>
-            <a:endParaRPr lang="en-US"/>
-          </a:p>
-        </p:txBody>
-      </p:sp>
-      <p:sp>
-        <p:nvSpPr>
           <p:cNvPr id="7" name="Slide Number Placeholder 6"/>
           <p:cNvSpPr>
             <a:spLocks noGrp="1"/>
@@ -2390,7 +3474,11 @@
         <p:spPr/>
         <p:txBody>
           <a:bodyPr/>
-          <a:lstStyle/>
+          <a:lstStyle>
+            <a:lvl1pPr>
+              <a:defRPr sz="1100"/>
+            </a:lvl1pPr>
+          </a:lstStyle>
           <a:p>
             <a:fld id="{22177795-0C2D-417E-A443-41965917A41E}" type="slidenum">
               <a:rPr lang="en-US" smtClean="0"/>
@@ -2403,13 +3491,25 @@
     </p:spTree>
     <p:extLst>
       <p:ext uri="{BB962C8B-B14F-4D97-AF65-F5344CB8AC3E}">
-        <p14:creationId xmlns:p14="http://schemas.microsoft.com/office/powerpoint/2010/main" val="1328176787"/>
+        <p14:creationId xmlns:p14="http://schemas.microsoft.com/office/powerpoint/2010/main" val="3118825761"/>
       </p:ext>
     </p:extLst>
   </p:cSld>
   <p:clrMapOvr>
     <a:masterClrMapping/>
   </p:clrMapOvr>
+  <mc:AlternateContent xmlns:mc="http://schemas.openxmlformats.org/markup-compatibility/2006" xmlns:p14="http://schemas.microsoft.com/office/powerpoint/2010/main">
+    <mc:Choice Requires="p14">
+      <p:transition spd="med" p14:dur="700">
+        <p:fade/>
+      </p:transition>
+    </mc:Choice>
+    <mc:Fallback xmlns="">
+      <p:transition spd="med">
+        <p:fade/>
+      </p:transition>
+    </mc:Fallback>
+  </mc:AlternateContent>
 </p:sldLayout>
 </file>
 
@@ -2417,9 +3517,18 @@
 <p:sldMaster xmlns:a="http://schemas.openxmlformats.org/drawingml/2006/main" xmlns:r="http://schemas.openxmlformats.org/officeDocument/2006/relationships" xmlns:p="http://schemas.openxmlformats.org/presentationml/2006/main">
   <p:cSld>
     <p:bg>
-      <p:bgRef idx="1001">
-        <a:schemeClr val="bg1"/>
-      </p:bgRef>
+      <p:bgPr>
+        <a:blipFill dpi="0" rotWithShape="1">
+          <a:blip r:embed="rId14">
+            <a:lum/>
+          </a:blip>
+          <a:srcRect/>
+          <a:stretch>
+            <a:fillRect/>
+          </a:stretch>
+        </a:blipFill>
+        <a:effectLst/>
+      </p:bgPr>
     </p:bg>
     <p:spTree>
       <p:nvGrpSpPr>
@@ -2447,15 +3556,15 @@
         </p:nvSpPr>
         <p:spPr>
           <a:xfrm>
-            <a:off x="838200" y="365125"/>
-            <a:ext cx="10515600" cy="1325563"/>
+            <a:off x="1294149" y="381000"/>
+            <a:ext cx="9603701" cy="1143000"/>
           </a:xfrm>
           <a:prstGeom prst="rect">
             <a:avLst/>
           </a:prstGeom>
         </p:spPr>
         <p:txBody>
-          <a:bodyPr vert="horz" lIns="91440" tIns="45720" rIns="91440" bIns="45720" rtlCol="0" anchor="ctr">
+          <a:bodyPr vert="horz" lIns="91440" tIns="45720" rIns="91440" bIns="45720" rtlCol="0" anchor="b">
             <a:normAutofit/>
           </a:bodyPr>
           <a:lstStyle/>
@@ -2464,7 +3573,7 @@
               <a:rPr lang="en-US" smtClean="0"/>
               <a:t>Click to edit Master title style</a:t>
             </a:r>
-            <a:endParaRPr lang="en-US"/>
+            <a:endParaRPr/>
           </a:p>
         </p:txBody>
       </p:sp>
@@ -2480,8 +3589,8 @@
         </p:nvSpPr>
         <p:spPr>
           <a:xfrm>
-            <a:off x="838200" y="1825625"/>
-            <a:ext cx="10515600" cy="4351338"/>
+            <a:off x="1294151" y="1828800"/>
+            <a:ext cx="9603701" cy="4343400"/>
           </a:xfrm>
           <a:prstGeom prst="rect">
             <a:avLst/>
@@ -2495,55 +3604,55 @@
           <a:p>
             <a:pPr lvl="0"/>
             <a:r>
-              <a:rPr lang="en-US" smtClean="0"/>
+              <a:rPr lang="en-US"/>
               <a:t>Edit Master text styles</a:t>
             </a:r>
           </a:p>
           <a:p>
             <a:pPr lvl="1"/>
             <a:r>
-              <a:rPr lang="en-US" smtClean="0"/>
+              <a:rPr lang="en-US"/>
               <a:t>Second level</a:t>
             </a:r>
           </a:p>
           <a:p>
             <a:pPr lvl="2"/>
             <a:r>
-              <a:rPr lang="en-US" smtClean="0"/>
+              <a:rPr lang="en-US"/>
               <a:t>Third level</a:t>
             </a:r>
           </a:p>
           <a:p>
             <a:pPr lvl="3"/>
             <a:r>
-              <a:rPr lang="en-US" smtClean="0"/>
+              <a:rPr lang="en-US"/>
               <a:t>Fourth level</a:t>
             </a:r>
           </a:p>
           <a:p>
             <a:pPr lvl="4"/>
             <a:r>
-              <a:rPr lang="en-US" smtClean="0"/>
+              <a:rPr lang="en-US"/>
               <a:t>Fifth level</a:t>
             </a:r>
-            <a:endParaRPr lang="en-US"/>
-          </a:p>
-        </p:txBody>
-      </p:sp>
-      <p:sp>
-        <p:nvSpPr>
-          <p:cNvPr id="4" name="Date Placeholder 3"/>
-          <p:cNvSpPr>
-            <a:spLocks noGrp="1"/>
-          </p:cNvSpPr>
-          <p:nvPr>
-            <p:ph type="dt" sz="half" idx="2"/>
+            <a:endParaRPr/>
+          </a:p>
+        </p:txBody>
+      </p:sp>
+      <p:sp>
+        <p:nvSpPr>
+          <p:cNvPr id="5" name="Footer Placeholder 4"/>
+          <p:cNvSpPr>
+            <a:spLocks noGrp="1"/>
+          </p:cNvSpPr>
+          <p:nvPr>
+            <p:ph type="ftr" sz="quarter" idx="3"/>
           </p:nvPr>
         </p:nvSpPr>
         <p:spPr>
           <a:xfrm>
-            <a:off x="838200" y="6356350"/>
-            <a:ext cx="2743200" cy="365125"/>
+            <a:off x="1294151" y="6400801"/>
+            <a:ext cx="6326246" cy="276226"/>
           </a:xfrm>
           <a:prstGeom prst="rect">
             <a:avLst/>
@@ -2553,7 +3662,7 @@
           <a:bodyPr vert="horz" lIns="91440" tIns="45720" rIns="91440" bIns="45720" rtlCol="0" anchor="ctr"/>
           <a:lstStyle>
             <a:lvl1pPr algn="l">
-              <a:defRPr sz="1200">
+              <a:defRPr sz="1000" cap="all" baseline="0">
                 <a:solidFill>
                   <a:schemeClr val="tx1">
                     <a:tint val="75000"/>
@@ -2563,28 +3672,24 @@
             </a:lvl1pPr>
           </a:lstStyle>
           <a:p>
-            <a:fld id="{DFB0194B-2825-408F-B5FA-3ED95FC4D2C0}" type="datetimeFigureOut">
-              <a:rPr lang="en-US" smtClean="0"/>
-              <a:t>11/8/2018</a:t>
-            </a:fld>
             <a:endParaRPr lang="en-US"/>
           </a:p>
         </p:txBody>
       </p:sp>
       <p:sp>
         <p:nvSpPr>
-          <p:cNvPr id="5" name="Footer Placeholder 4"/>
-          <p:cNvSpPr>
-            <a:spLocks noGrp="1"/>
-          </p:cNvSpPr>
-          <p:nvPr>
-            <p:ph type="ftr" sz="quarter" idx="3"/>
+          <p:cNvPr id="4" name="Date Placeholder 3"/>
+          <p:cNvSpPr>
+            <a:spLocks noGrp="1"/>
+          </p:cNvSpPr>
+          <p:nvPr>
+            <p:ph type="dt" sz="half" idx="2"/>
           </p:nvPr>
         </p:nvSpPr>
         <p:spPr>
           <a:xfrm>
-            <a:off x="4038600" y="6356350"/>
-            <a:ext cx="4114800" cy="365125"/>
+            <a:off x="8001496" y="6400801"/>
+            <a:ext cx="1320403" cy="276226"/>
           </a:xfrm>
           <a:prstGeom prst="rect">
             <a:avLst/>
@@ -2593,8 +3698,8 @@
         <p:txBody>
           <a:bodyPr vert="horz" lIns="91440" tIns="45720" rIns="91440" bIns="45720" rtlCol="0" anchor="ctr"/>
           <a:lstStyle>
-            <a:lvl1pPr algn="ctr">
-              <a:defRPr sz="1200">
+            <a:lvl1pPr algn="r">
+              <a:defRPr sz="1000">
                 <a:solidFill>
                   <a:schemeClr val="tx1">
                     <a:tint val="75000"/>
@@ -2604,6 +3709,10 @@
             </a:lvl1pPr>
           </a:lstStyle>
           <a:p>
+            <a:fld id="{DFB0194B-2825-408F-B5FA-3ED95FC4D2C0}" type="datetimeFigureOut">
+              <a:rPr lang="en-US" smtClean="0"/>
+              <a:t>11/14/2018</a:t>
+            </a:fld>
             <a:endParaRPr lang="en-US"/>
           </a:p>
         </p:txBody>
@@ -2620,8 +3729,8 @@
         </p:nvSpPr>
         <p:spPr>
           <a:xfrm>
-            <a:off x="8610600" y="6356350"/>
-            <a:ext cx="2743200" cy="365125"/>
+            <a:off x="9678332" y="6400801"/>
+            <a:ext cx="1219520" cy="276226"/>
           </a:xfrm>
           <a:prstGeom prst="rect">
             <a:avLst/>
@@ -2631,7 +3740,7 @@
           <a:bodyPr vert="horz" lIns="91440" tIns="45720" rIns="91440" bIns="45720" rtlCol="0" anchor="ctr"/>
           <a:lstStyle>
             <a:lvl1pPr algn="r">
-              <a:defRPr sz="1200">
+              <a:defRPr sz="1000">
                 <a:solidFill>
                   <a:schemeClr val="tx1">
                     <a:tint val="75000"/>
@@ -2652,35 +3761,48 @@
     </p:spTree>
     <p:extLst>
       <p:ext uri="{BB962C8B-B14F-4D97-AF65-F5344CB8AC3E}">
-        <p14:creationId xmlns:p14="http://schemas.microsoft.com/office/powerpoint/2010/main" val="2068706189"/>
+        <p14:creationId xmlns:p14="http://schemas.microsoft.com/office/powerpoint/2010/main" val="3749551659"/>
       </p:ext>
     </p:extLst>
   </p:cSld>
-  <p:clrMap bg1="lt1" tx1="dk1" bg2="lt2" tx2="dk2" accent1="accent1" accent2="accent2" accent3="accent3" accent4="accent4" accent5="accent5" accent6="accent6" hlink="hlink" folHlink="folHlink"/>
+  <p:clrMap bg1="dk1" tx1="lt1" bg2="dk2" tx2="lt2" accent1="accent1" accent2="accent2" accent3="accent3" accent4="accent4" accent5="accent5" accent6="accent6" hlink="hlink" folHlink="folHlink"/>
   <p:sldLayoutIdLst>
-    <p:sldLayoutId id="2147483649" r:id="rId1"/>
-    <p:sldLayoutId id="2147483650" r:id="rId2"/>
-    <p:sldLayoutId id="2147483651" r:id="rId3"/>
-    <p:sldLayoutId id="2147483652" r:id="rId4"/>
-    <p:sldLayoutId id="2147483653" r:id="rId5"/>
-    <p:sldLayoutId id="2147483654" r:id="rId6"/>
-    <p:sldLayoutId id="2147483655" r:id="rId7"/>
-    <p:sldLayoutId id="2147483656" r:id="rId8"/>
-    <p:sldLayoutId id="2147483657" r:id="rId9"/>
-    <p:sldLayoutId id="2147483658" r:id="rId10"/>
-    <p:sldLayoutId id="2147483659" r:id="rId11"/>
+    <p:sldLayoutId id="2147484248" r:id="rId1"/>
+    <p:sldLayoutId id="2147484249" r:id="rId2"/>
+    <p:sldLayoutId id="2147484250" r:id="rId3"/>
+    <p:sldLayoutId id="2147484251" r:id="rId4"/>
+    <p:sldLayoutId id="2147484252" r:id="rId5"/>
+    <p:sldLayoutId id="2147484253" r:id="rId6"/>
+    <p:sldLayoutId id="2147484254" r:id="rId7"/>
+    <p:sldLayoutId id="2147484255" r:id="rId8"/>
+    <p:sldLayoutId id="2147484256" r:id="rId9"/>
+    <p:sldLayoutId id="2147484257" r:id="rId10"/>
+    <p:sldLayoutId id="2147484258" r:id="rId11"/>
+    <p:sldLayoutId id="2147484259" r:id="rId12"/>
   </p:sldLayoutIdLst>
+  <mc:AlternateContent xmlns:mc="http://schemas.openxmlformats.org/markup-compatibility/2006" xmlns:p14="http://schemas.microsoft.com/office/powerpoint/2010/main">
+    <mc:Choice Requires="p14">
+      <p:transition spd="med" p14:dur="700">
+        <p:fade/>
+      </p:transition>
+    </mc:Choice>
+    <mc:Fallback xmlns="">
+      <p:transition spd="med">
+        <p:fade/>
+      </p:transition>
+    </mc:Fallback>
+  </mc:AlternateContent>
   <p:txStyles>
     <p:titleStyle>
       <a:lvl1pPr algn="l" defTabSz="914400" rtl="0" eaLnBrk="1" latinLnBrk="0" hangingPunct="1">
         <a:lnSpc>
-          <a:spcPct val="90000"/>
+          <a:spcPct val="80000"/>
         </a:lnSpc>
         <a:spcBef>
           <a:spcPct val="0"/>
         </a:spcBef>
         <a:buNone/>
-        <a:defRPr sz="4400" kern="1200">
+        <a:defRPr sz="4000" kern="1200">
           <a:solidFill>
             <a:schemeClr val="tx1"/>
           </a:solidFill>
@@ -2696,27 +3818,9 @@
           <a:spcPct val="90000"/>
         </a:lnSpc>
         <a:spcBef>
-          <a:spcPts val="1000"/>
+          <a:spcPts val="1600"/>
         </a:spcBef>
-        <a:buFont typeface="Arial" panose="020B0604020202020204" pitchFamily="34" charset="0"/>
-        <a:buChar char="•"/>
-        <a:defRPr sz="2800" kern="1200">
-          <a:solidFill>
-            <a:schemeClr val="tx1"/>
-          </a:solidFill>
-          <a:latin typeface="+mn-lt"/>
-          <a:ea typeface="+mn-ea"/>
-          <a:cs typeface="+mn-cs"/>
-        </a:defRPr>
-      </a:lvl1pPr>
-      <a:lvl2pPr marL="685800" indent="-228600" algn="l" defTabSz="914400" rtl="0" eaLnBrk="1" latinLnBrk="0" hangingPunct="1">
-        <a:lnSpc>
-          <a:spcPct val="90000"/>
-        </a:lnSpc>
-        <a:spcBef>
-          <a:spcPts val="500"/>
-        </a:spcBef>
-        <a:buFont typeface="Arial" panose="020B0604020202020204" pitchFamily="34" charset="0"/>
+        <a:buFont typeface="Arial" pitchFamily="34" charset="0"/>
         <a:buChar char="•"/>
         <a:defRPr sz="2400" kern="1200">
           <a:solidFill>
@@ -2726,16 +3830,16 @@
           <a:ea typeface="+mn-ea"/>
           <a:cs typeface="+mn-cs"/>
         </a:defRPr>
-      </a:lvl2pPr>
-      <a:lvl3pPr marL="1143000" indent="-228600" algn="l" defTabSz="914400" rtl="0" eaLnBrk="1" latinLnBrk="0" hangingPunct="1">
+      </a:lvl1pPr>
+      <a:lvl2pPr marL="594360" indent="-228600" algn="l" defTabSz="914400" rtl="0" eaLnBrk="1" latinLnBrk="0" hangingPunct="1">
         <a:lnSpc>
           <a:spcPct val="90000"/>
         </a:lnSpc>
         <a:spcBef>
-          <a:spcPts val="500"/>
+          <a:spcPts val="800"/>
         </a:spcBef>
-        <a:buFont typeface="Arial" panose="020B0604020202020204" pitchFamily="34" charset="0"/>
-        <a:buChar char="•"/>
+        <a:buFont typeface="Century" pitchFamily="18" charset="0"/>
+        <a:buChar char="–"/>
         <a:defRPr sz="2000" kern="1200">
           <a:solidFill>
             <a:schemeClr val="tx1"/>
@@ -2744,15 +3848,15 @@
           <a:ea typeface="+mn-ea"/>
           <a:cs typeface="+mn-cs"/>
         </a:defRPr>
-      </a:lvl3pPr>
-      <a:lvl4pPr marL="1600200" indent="-228600" algn="l" defTabSz="914400" rtl="0" eaLnBrk="1" latinLnBrk="0" hangingPunct="1">
+      </a:lvl2pPr>
+      <a:lvl3pPr marL="960120" indent="-228600" algn="l" defTabSz="914400" rtl="0" eaLnBrk="1" latinLnBrk="0" hangingPunct="1">
         <a:lnSpc>
           <a:spcPct val="90000"/>
         </a:lnSpc>
         <a:spcBef>
-          <a:spcPts val="500"/>
+          <a:spcPts val="600"/>
         </a:spcBef>
-        <a:buFont typeface="Arial" panose="020B0604020202020204" pitchFamily="34" charset="0"/>
+        <a:buFont typeface="Arial" pitchFamily="34" charset="0"/>
         <a:buChar char="•"/>
         <a:defRPr sz="1800" kern="1200">
           <a:solidFill>
@@ -2762,17 +3866,35 @@
           <a:ea typeface="+mn-ea"/>
           <a:cs typeface="+mn-cs"/>
         </a:defRPr>
-      </a:lvl4pPr>
-      <a:lvl5pPr marL="2057400" indent="-228600" algn="l" defTabSz="914400" rtl="0" eaLnBrk="1" latinLnBrk="0" hangingPunct="1">
+      </a:lvl3pPr>
+      <a:lvl4pPr marL="1325880" indent="-228600" algn="l" defTabSz="914400" rtl="0" eaLnBrk="1" latinLnBrk="0" hangingPunct="1">
         <a:lnSpc>
           <a:spcPct val="90000"/>
         </a:lnSpc>
         <a:spcBef>
-          <a:spcPts val="500"/>
+          <a:spcPts val="600"/>
         </a:spcBef>
-        <a:buFont typeface="Arial" panose="020B0604020202020204" pitchFamily="34" charset="0"/>
+        <a:buFont typeface="Arial" pitchFamily="34" charset="0"/>
+        <a:buChar char="–"/>
+        <a:defRPr sz="1600" kern="1200">
+          <a:solidFill>
+            <a:schemeClr val="tx1"/>
+          </a:solidFill>
+          <a:latin typeface="+mn-lt"/>
+          <a:ea typeface="+mn-ea"/>
+          <a:cs typeface="+mn-cs"/>
+        </a:defRPr>
+      </a:lvl4pPr>
+      <a:lvl5pPr marL="1691640" indent="-228600" algn="l" defTabSz="914400" rtl="0" eaLnBrk="1" latinLnBrk="0" hangingPunct="1">
+        <a:lnSpc>
+          <a:spcPct val="90000"/>
+        </a:lnSpc>
+        <a:spcBef>
+          <a:spcPts val="600"/>
+        </a:spcBef>
+        <a:buFont typeface="Arial" pitchFamily="34" charset="0"/>
         <a:buChar char="•"/>
-        <a:defRPr sz="1800" kern="1200">
+        <a:defRPr sz="1600" kern="1200">
           <a:solidFill>
             <a:schemeClr val="tx1"/>
           </a:solidFill>
@@ -2781,16 +3903,13 @@
           <a:cs typeface="+mn-cs"/>
         </a:defRPr>
       </a:lvl5pPr>
-      <a:lvl6pPr marL="2514600" indent="-228600" algn="l" defTabSz="914400" rtl="0" eaLnBrk="1" latinLnBrk="0" hangingPunct="1">
-        <a:lnSpc>
-          <a:spcPct val="90000"/>
-        </a:lnSpc>
+      <a:lvl6pPr marL="2057400" indent="-228600" algn="l" defTabSz="914400" rtl="0" eaLnBrk="1" latinLnBrk="0" hangingPunct="1">
         <a:spcBef>
-          <a:spcPts val="500"/>
+          <a:spcPts val="600"/>
         </a:spcBef>
-        <a:buFont typeface="Arial" panose="020B0604020202020204" pitchFamily="34" charset="0"/>
-        <a:buChar char="•"/>
-        <a:defRPr sz="1800" kern="1200">
+        <a:buFont typeface="Arial" pitchFamily="34" charset="0"/>
+        <a:buChar char="–"/>
+        <a:defRPr sz="1600" kern="1200">
           <a:solidFill>
             <a:schemeClr val="tx1"/>
           </a:solidFill>
@@ -2799,16 +3918,13 @@
           <a:cs typeface="+mn-cs"/>
         </a:defRPr>
       </a:lvl6pPr>
-      <a:lvl7pPr marL="2971800" indent="-228600" algn="l" defTabSz="914400" rtl="0" eaLnBrk="1" latinLnBrk="0" hangingPunct="1">
-        <a:lnSpc>
-          <a:spcPct val="90000"/>
-        </a:lnSpc>
+      <a:lvl7pPr marL="2423160" indent="-228600" algn="l" defTabSz="914400" rtl="0" eaLnBrk="1" latinLnBrk="0" hangingPunct="1">
         <a:spcBef>
-          <a:spcPts val="500"/>
+          <a:spcPts val="600"/>
         </a:spcBef>
-        <a:buFont typeface="Arial" panose="020B0604020202020204" pitchFamily="34" charset="0"/>
+        <a:buFont typeface="Arial" pitchFamily="34" charset="0"/>
         <a:buChar char="•"/>
-        <a:defRPr sz="1800" kern="1200">
+        <a:defRPr sz="1600" kern="1200">
           <a:solidFill>
             <a:schemeClr val="tx1"/>
           </a:solidFill>
@@ -2817,16 +3933,13 @@
           <a:cs typeface="+mn-cs"/>
         </a:defRPr>
       </a:lvl7pPr>
-      <a:lvl8pPr marL="3429000" indent="-228600" algn="l" defTabSz="914400" rtl="0" eaLnBrk="1" latinLnBrk="0" hangingPunct="1">
-        <a:lnSpc>
-          <a:spcPct val="90000"/>
-        </a:lnSpc>
+      <a:lvl8pPr marL="2788920" indent="-228600" algn="l" defTabSz="914400" rtl="0" eaLnBrk="1" latinLnBrk="0" hangingPunct="1">
         <a:spcBef>
-          <a:spcPts val="500"/>
+          <a:spcPts val="600"/>
         </a:spcBef>
-        <a:buFont typeface="Arial" panose="020B0604020202020204" pitchFamily="34" charset="0"/>
-        <a:buChar char="•"/>
-        <a:defRPr sz="1800" kern="1200">
+        <a:buFont typeface="Arial" pitchFamily="34" charset="0"/>
+        <a:buChar char="–"/>
+        <a:defRPr sz="1600" kern="1200">
           <a:solidFill>
             <a:schemeClr val="tx1"/>
           </a:solidFill>
@@ -2835,16 +3948,13 @@
           <a:cs typeface="+mn-cs"/>
         </a:defRPr>
       </a:lvl8pPr>
-      <a:lvl9pPr marL="3886200" indent="-228600" algn="l" defTabSz="914400" rtl="0" eaLnBrk="1" latinLnBrk="0" hangingPunct="1">
-        <a:lnSpc>
-          <a:spcPct val="90000"/>
-        </a:lnSpc>
+      <a:lvl9pPr marL="3154680" indent="-228600" algn="l" defTabSz="914400" rtl="0" eaLnBrk="1" latinLnBrk="0" hangingPunct="1">
         <a:spcBef>
-          <a:spcPts val="500"/>
+          <a:spcPts val="600"/>
         </a:spcBef>
-        <a:buFont typeface="Arial" panose="020B0604020202020204" pitchFamily="34" charset="0"/>
+        <a:buFont typeface="Arial" pitchFamily="34" charset="0"/>
         <a:buChar char="•"/>
-        <a:defRPr sz="1800" kern="1200">
+        <a:defRPr sz="1600" kern="1200">
           <a:solidFill>
             <a:schemeClr val="tx1"/>
           </a:solidFill>
@@ -2856,7 +3966,7 @@
     </p:bodyStyle>
     <p:otherStyle>
       <a:defPPr>
-        <a:defRPr lang="en-US"/>
+        <a:defRPr/>
       </a:defPPr>
       <a:lvl1pPr marL="0" algn="l" defTabSz="914400" rtl="0" eaLnBrk="1" latinLnBrk="0" hangingPunct="1">
         <a:defRPr sz="1800" kern="1200">
@@ -2950,6 +4060,22 @@
       </a:lvl9pPr>
     </p:otherStyle>
   </p:txStyles>
+  <p:extLst mod="1">
+    <p:ext uri="{27BBF7A9-308A-43DC-89C8-2F10F3537804}">
+      <p15:sldGuideLst xmlns:p15="http://schemas.microsoft.com/office/powerpoint/2012/main">
+        <p15:guide id="1" orient="horz" pos="2160">
+          <p15:clr>
+            <a:srgbClr val="F26B43"/>
+          </p15:clr>
+        </p15:guide>
+        <p15:guide id="2" pos="3839">
+          <p15:clr>
+            <a:srgbClr val="F26B43"/>
+          </p15:clr>
+        </p15:guide>
+      </p15:sldGuideLst>
+    </p:ext>
+  </p:extLst>
 </p:sldMaster>
 </file>
 
@@ -2985,6 +4111,10 @@
           <a:bodyPr/>
           <a:lstStyle/>
           <a:p>
+            <a:r>
+              <a:rPr lang="en-US" dirty="0" smtClean="0"/>
+              <a:t>Week 5</a:t>
+            </a:r>
             <a:endParaRPr lang="en-US" dirty="0"/>
           </a:p>
         </p:txBody>
@@ -3004,7 +4134,17 @@
           <a:bodyPr/>
           <a:lstStyle/>
           <a:p>
-            <a:endParaRPr lang="en-US"/>
+            <a:r>
+              <a:rPr lang="en-US" dirty="0" smtClean="0"/>
+              <a:t>Team 6328</a:t>
+            </a:r>
+          </a:p>
+          <a:p>
+            <a:r>
+              <a:rPr lang="en-US" dirty="0" smtClean="0"/>
+              <a:t>Software Team</a:t>
+            </a:r>
+            <a:endParaRPr lang="en-US" dirty="0"/>
           </a:p>
         </p:txBody>
       </p:sp>
@@ -3018,6 +4158,757 @@
   <p:clrMapOvr>
     <a:masterClrMapping/>
   </p:clrMapOvr>
+  <mc:AlternateContent xmlns:mc="http://schemas.openxmlformats.org/markup-compatibility/2006" xmlns:p14="http://schemas.microsoft.com/office/powerpoint/2010/main">
+    <mc:Choice Requires="p14">
+      <p:transition spd="med" p14:dur="700">
+        <p:fade/>
+      </p:transition>
+    </mc:Choice>
+    <mc:Fallback xmlns="">
+      <p:transition spd="med">
+        <p:fade/>
+      </p:transition>
+    </mc:Fallback>
+  </mc:AlternateContent>
+  <p:timing>
+    <p:tnLst>
+      <p:par>
+        <p:cTn id="1" dur="indefinite" restart="never" nodeType="tmRoot"/>
+      </p:par>
+    </p:tnLst>
+  </p:timing>
+</p:sld>
+</file>
+
+<file path=ppt/slides/slide10.xml><?xml version="1.0" encoding="utf-8"?>
+<p:sld xmlns:a="http://schemas.openxmlformats.org/drawingml/2006/main" xmlns:r="http://schemas.openxmlformats.org/officeDocument/2006/relationships" xmlns:p="http://schemas.openxmlformats.org/presentationml/2006/main">
+  <p:cSld>
+    <p:spTree>
+      <p:nvGrpSpPr>
+        <p:cNvPr id="1" name=""/>
+        <p:cNvGrpSpPr/>
+        <p:nvPr/>
+      </p:nvGrpSpPr>
+      <p:grpSpPr>
+        <a:xfrm>
+          <a:off x="0" y="0"/>
+          <a:ext cx="0" cy="0"/>
+          <a:chOff x="0" y="0"/>
+          <a:chExt cx="0" cy="0"/>
+        </a:xfrm>
+      </p:grpSpPr>
+      <p:sp>
+        <p:nvSpPr>
+          <p:cNvPr id="2" name="Title 1"/>
+          <p:cNvSpPr>
+            <a:spLocks noGrp="1"/>
+          </p:cNvSpPr>
+          <p:nvPr>
+            <p:ph type="title"/>
+          </p:nvPr>
+        </p:nvSpPr>
+        <p:spPr/>
+        <p:txBody>
+          <a:bodyPr/>
+          <a:lstStyle/>
+          <a:p>
+            <a:r>
+              <a:rPr lang="en-US" dirty="0" smtClean="0"/>
+              <a:t>Overriding Methods: Let’s try it… </a:t>
+            </a:r>
+            <a:endParaRPr lang="en-US" dirty="0"/>
+          </a:p>
+        </p:txBody>
+      </p:sp>
+      <p:sp>
+        <p:nvSpPr>
+          <p:cNvPr id="3" name="Content Placeholder 2"/>
+          <p:cNvSpPr>
+            <a:spLocks noGrp="1"/>
+          </p:cNvSpPr>
+          <p:nvPr>
+            <p:ph idx="1"/>
+          </p:nvPr>
+        </p:nvSpPr>
+        <p:spPr/>
+        <p:txBody>
+          <a:bodyPr/>
+          <a:lstStyle/>
+          <a:p>
+            <a:r>
+              <a:rPr lang="en-US" dirty="0" smtClean="0"/>
+              <a:t>Write a Base class that has a method called speed</a:t>
+            </a:r>
+          </a:p>
+          <a:p>
+            <a:pPr lvl="1"/>
+            <a:r>
+              <a:rPr lang="en-US" dirty="0" smtClean="0"/>
+              <a:t>Give a speed </a:t>
+            </a:r>
+          </a:p>
+          <a:p>
+            <a:pPr lvl="1"/>
+            <a:r>
+              <a:rPr lang="en-US" dirty="0" smtClean="0"/>
+              <a:t>Important: Return the speed</a:t>
+            </a:r>
+          </a:p>
+          <a:p>
+            <a:r>
+              <a:rPr lang="en-US" dirty="0" smtClean="0"/>
+              <a:t>Write an Extend class that inherits the Parent class</a:t>
+            </a:r>
+          </a:p>
+          <a:p>
+            <a:pPr lvl="1"/>
+            <a:r>
+              <a:rPr lang="en-US" dirty="0" smtClean="0"/>
+              <a:t>This new class should have a new method “&lt;</a:t>
+            </a:r>
+            <a:r>
+              <a:rPr lang="en-US" dirty="0" err="1" smtClean="0"/>
+              <a:t>method_name</a:t>
+            </a:r>
+            <a:r>
+              <a:rPr lang="en-US" dirty="0" smtClean="0"/>
+              <a:t>&gt;” that uses the speed </a:t>
+            </a:r>
+          </a:p>
+          <a:p>
+            <a:pPr lvl="1"/>
+            <a:r>
+              <a:rPr lang="en-US" dirty="0" smtClean="0"/>
+              <a:t>Increment the speed from the Base Class by 10</a:t>
+            </a:r>
+          </a:p>
+          <a:p>
+            <a:pPr lvl="1"/>
+            <a:r>
+              <a:rPr lang="en-US" dirty="0" smtClean="0"/>
+              <a:t>Print the new speed</a:t>
+            </a:r>
+            <a:endParaRPr lang="en-US" dirty="0"/>
+          </a:p>
+        </p:txBody>
+      </p:sp>
+    </p:spTree>
+    <p:extLst>
+      <p:ext uri="{BB962C8B-B14F-4D97-AF65-F5344CB8AC3E}">
+        <p14:creationId xmlns:p14="http://schemas.microsoft.com/office/powerpoint/2010/main" val="1607134939"/>
+      </p:ext>
+    </p:extLst>
+  </p:cSld>
+  <p:clrMapOvr>
+    <a:masterClrMapping/>
+  </p:clrMapOvr>
+  <mc:AlternateContent xmlns:mc="http://schemas.openxmlformats.org/markup-compatibility/2006" xmlns:p14="http://schemas.microsoft.com/office/powerpoint/2010/main">
+    <mc:Choice Requires="p14">
+      <p:transition spd="med" p14:dur="700">
+        <p:fade/>
+      </p:transition>
+    </mc:Choice>
+    <mc:Fallback xmlns="">
+      <p:transition spd="med">
+        <p:fade/>
+      </p:transition>
+    </mc:Fallback>
+  </mc:AlternateContent>
+  <p:timing>
+    <p:tnLst>
+      <p:par>
+        <p:cTn id="1" dur="indefinite" restart="never" nodeType="tmRoot"/>
+      </p:par>
+    </p:tnLst>
+  </p:timing>
+</p:sld>
+</file>
+
+<file path=ppt/slides/slide11.xml><?xml version="1.0" encoding="utf-8"?>
+<p:sld xmlns:a="http://schemas.openxmlformats.org/drawingml/2006/main" xmlns:r="http://schemas.openxmlformats.org/officeDocument/2006/relationships" xmlns:p="http://schemas.openxmlformats.org/presentationml/2006/main">
+  <p:cSld>
+    <p:spTree>
+      <p:nvGrpSpPr>
+        <p:cNvPr id="1" name=""/>
+        <p:cNvGrpSpPr/>
+        <p:nvPr/>
+      </p:nvGrpSpPr>
+      <p:grpSpPr>
+        <a:xfrm>
+          <a:off x="0" y="0"/>
+          <a:ext cx="0" cy="0"/>
+          <a:chOff x="0" y="0"/>
+          <a:chExt cx="0" cy="0"/>
+        </a:xfrm>
+      </p:grpSpPr>
+      <p:sp>
+        <p:nvSpPr>
+          <p:cNvPr id="2" name="Title 1"/>
+          <p:cNvSpPr>
+            <a:spLocks noGrp="1"/>
+          </p:cNvSpPr>
+          <p:nvPr>
+            <p:ph type="title"/>
+          </p:nvPr>
+        </p:nvSpPr>
+        <p:spPr/>
+        <p:txBody>
+          <a:bodyPr/>
+          <a:lstStyle/>
+          <a:p>
+            <a:r>
+              <a:rPr lang="en-US" dirty="0" smtClean="0"/>
+              <a:t>Three main concepts of OOP</a:t>
+            </a:r>
+            <a:endParaRPr lang="en-US" dirty="0"/>
+          </a:p>
+        </p:txBody>
+      </p:sp>
+      <p:sp>
+        <p:nvSpPr>
+          <p:cNvPr id="3" name="Content Placeholder 2"/>
+          <p:cNvSpPr>
+            <a:spLocks noGrp="1"/>
+          </p:cNvSpPr>
+          <p:nvPr>
+            <p:ph idx="1"/>
+          </p:nvPr>
+        </p:nvSpPr>
+        <p:spPr/>
+        <p:txBody>
+          <a:bodyPr/>
+          <a:lstStyle/>
+          <a:p>
+            <a:r>
+              <a:rPr lang="en-US" dirty="0" err="1" smtClean="0"/>
+              <a:t>Encapsultation</a:t>
+            </a:r>
+            <a:endParaRPr lang="en-US" dirty="0" smtClean="0"/>
+          </a:p>
+          <a:p>
+            <a:r>
+              <a:rPr lang="en-US" dirty="0" smtClean="0"/>
+              <a:t>Polymorphism</a:t>
+            </a:r>
+          </a:p>
+          <a:p>
+            <a:r>
+              <a:rPr lang="en-US" dirty="0" smtClean="0"/>
+              <a:t>Inheritance</a:t>
+            </a:r>
+          </a:p>
+          <a:p>
+            <a:endParaRPr lang="en-US" dirty="0"/>
+          </a:p>
+        </p:txBody>
+      </p:sp>
+    </p:spTree>
+    <p:extLst>
+      <p:ext uri="{BB962C8B-B14F-4D97-AF65-F5344CB8AC3E}">
+        <p14:creationId xmlns:p14="http://schemas.microsoft.com/office/powerpoint/2010/main" val="2544574494"/>
+      </p:ext>
+    </p:extLst>
+  </p:cSld>
+  <p:clrMapOvr>
+    <a:masterClrMapping/>
+  </p:clrMapOvr>
+  <mc:AlternateContent xmlns:mc="http://schemas.openxmlformats.org/markup-compatibility/2006" xmlns:p14="http://schemas.microsoft.com/office/powerpoint/2010/main">
+    <mc:Choice Requires="p14">
+      <p:transition spd="med" p14:dur="700">
+        <p:fade/>
+      </p:transition>
+    </mc:Choice>
+    <mc:Fallback xmlns="">
+      <p:transition spd="med">
+        <p:fade/>
+      </p:transition>
+    </mc:Fallback>
+  </mc:AlternateContent>
+  <p:timing>
+    <p:tnLst>
+      <p:par>
+        <p:cTn id="1" dur="indefinite" restart="never" nodeType="tmRoot"/>
+      </p:par>
+    </p:tnLst>
+  </p:timing>
+</p:sld>
+</file>
+
+<file path=ppt/slides/slide12.xml><?xml version="1.0" encoding="utf-8"?>
+<p:sld xmlns:a="http://schemas.openxmlformats.org/drawingml/2006/main" xmlns:r="http://schemas.openxmlformats.org/officeDocument/2006/relationships" xmlns:p="http://schemas.openxmlformats.org/presentationml/2006/main">
+  <p:cSld>
+    <p:spTree>
+      <p:nvGrpSpPr>
+        <p:cNvPr id="1" name=""/>
+        <p:cNvGrpSpPr/>
+        <p:nvPr/>
+      </p:nvGrpSpPr>
+      <p:grpSpPr>
+        <a:xfrm>
+          <a:off x="0" y="0"/>
+          <a:ext cx="0" cy="0"/>
+          <a:chOff x="0" y="0"/>
+          <a:chExt cx="0" cy="0"/>
+        </a:xfrm>
+      </p:grpSpPr>
+      <p:sp>
+        <p:nvSpPr>
+          <p:cNvPr id="2" name="Title 1"/>
+          <p:cNvSpPr>
+            <a:spLocks noGrp="1"/>
+          </p:cNvSpPr>
+          <p:nvPr>
+            <p:ph type="title"/>
+          </p:nvPr>
+        </p:nvSpPr>
+        <p:spPr/>
+        <p:txBody>
+          <a:bodyPr/>
+          <a:lstStyle/>
+          <a:p>
+            <a:r>
+              <a:rPr lang="en-US" dirty="0" smtClean="0"/>
+              <a:t>Encapsulation</a:t>
+            </a:r>
+            <a:endParaRPr lang="en-US" dirty="0"/>
+          </a:p>
+        </p:txBody>
+      </p:sp>
+      <p:sp>
+        <p:nvSpPr>
+          <p:cNvPr id="3" name="Content Placeholder 2"/>
+          <p:cNvSpPr>
+            <a:spLocks noGrp="1"/>
+          </p:cNvSpPr>
+          <p:nvPr>
+            <p:ph idx="1"/>
+          </p:nvPr>
+        </p:nvSpPr>
+        <p:spPr/>
+        <p:txBody>
+          <a:bodyPr/>
+          <a:lstStyle/>
+          <a:p>
+            <a:r>
+              <a:rPr lang="en-US" dirty="0"/>
+              <a:t>Access modifier keywords are used for encapsulation in object oriented programming. For example, encapsulation in java is achieved using </a:t>
+            </a:r>
+            <a:r>
+              <a:rPr lang="en-US" b="1" dirty="0"/>
+              <a:t>private, protected </a:t>
+            </a:r>
+            <a:r>
+              <a:rPr lang="en-US" dirty="0"/>
+              <a:t>and</a:t>
+            </a:r>
+            <a:r>
+              <a:rPr lang="en-US" b="1" dirty="0"/>
+              <a:t> public </a:t>
+            </a:r>
+            <a:r>
+              <a:rPr lang="en-US" dirty="0"/>
+              <a:t>keywords.</a:t>
+            </a:r>
+          </a:p>
+        </p:txBody>
+      </p:sp>
+    </p:spTree>
+    <p:extLst>
+      <p:ext uri="{BB962C8B-B14F-4D97-AF65-F5344CB8AC3E}">
+        <p14:creationId xmlns:p14="http://schemas.microsoft.com/office/powerpoint/2010/main" val="2936651540"/>
+      </p:ext>
+    </p:extLst>
+  </p:cSld>
+  <p:clrMapOvr>
+    <a:masterClrMapping/>
+  </p:clrMapOvr>
+  <mc:AlternateContent xmlns:mc="http://schemas.openxmlformats.org/markup-compatibility/2006" xmlns:p14="http://schemas.microsoft.com/office/powerpoint/2010/main">
+    <mc:Choice Requires="p14">
+      <p:transition spd="med" p14:dur="700">
+        <p:fade/>
+      </p:transition>
+    </mc:Choice>
+    <mc:Fallback xmlns="">
+      <p:transition spd="med">
+        <p:fade/>
+      </p:transition>
+    </mc:Fallback>
+  </mc:AlternateContent>
+  <p:timing>
+    <p:tnLst>
+      <p:par>
+        <p:cTn id="1" dur="indefinite" restart="never" nodeType="tmRoot"/>
+      </p:par>
+    </p:tnLst>
+  </p:timing>
+</p:sld>
+</file>
+
+<file path=ppt/slides/slide13.xml><?xml version="1.0" encoding="utf-8"?>
+<p:sld xmlns:a="http://schemas.openxmlformats.org/drawingml/2006/main" xmlns:r="http://schemas.openxmlformats.org/officeDocument/2006/relationships" xmlns:p="http://schemas.openxmlformats.org/presentationml/2006/main">
+  <p:cSld>
+    <p:spTree>
+      <p:nvGrpSpPr>
+        <p:cNvPr id="1" name=""/>
+        <p:cNvGrpSpPr/>
+        <p:nvPr/>
+      </p:nvGrpSpPr>
+      <p:grpSpPr>
+        <a:xfrm>
+          <a:off x="0" y="0"/>
+          <a:ext cx="0" cy="0"/>
+          <a:chOff x="0" y="0"/>
+          <a:chExt cx="0" cy="0"/>
+        </a:xfrm>
+      </p:grpSpPr>
+      <p:sp>
+        <p:nvSpPr>
+          <p:cNvPr id="2" name="Title 1"/>
+          <p:cNvSpPr>
+            <a:spLocks noGrp="1"/>
+          </p:cNvSpPr>
+          <p:nvPr>
+            <p:ph type="title"/>
+          </p:nvPr>
+        </p:nvSpPr>
+        <p:spPr/>
+        <p:txBody>
+          <a:bodyPr/>
+          <a:lstStyle/>
+          <a:p>
+            <a:r>
+              <a:rPr lang="en-US" dirty="0" smtClean="0"/>
+              <a:t>Polymorphism	</a:t>
+            </a:r>
+            <a:endParaRPr lang="en-US" dirty="0"/>
+          </a:p>
+        </p:txBody>
+      </p:sp>
+      <p:sp>
+        <p:nvSpPr>
+          <p:cNvPr id="3" name="Content Placeholder 2"/>
+          <p:cNvSpPr>
+            <a:spLocks noGrp="1"/>
+          </p:cNvSpPr>
+          <p:nvPr>
+            <p:ph idx="1"/>
+          </p:nvPr>
+        </p:nvSpPr>
+        <p:spPr/>
+        <p:txBody>
+          <a:bodyPr numCol="2"/>
+          <a:lstStyle/>
+          <a:p>
+            <a:pPr lvl="1"/>
+            <a:r>
+              <a:rPr lang="en-US" dirty="0" smtClean="0"/>
+              <a:t>Compile time polymorphism				</a:t>
+            </a:r>
+          </a:p>
+          <a:p>
+            <a:pPr lvl="2"/>
+            <a:r>
+              <a:rPr lang="en-US" dirty="0" smtClean="0">
+                <a:effectLst/>
+              </a:rPr>
+              <a:t>Method overloading	</a:t>
+            </a:r>
+          </a:p>
+          <a:p>
+            <a:pPr lvl="2"/>
+            <a:endParaRPr lang="en-US" dirty="0">
+              <a:effectLst/>
+            </a:endParaRPr>
+          </a:p>
+          <a:p>
+            <a:pPr lvl="2"/>
+            <a:endParaRPr lang="en-US" dirty="0" smtClean="0">
+              <a:effectLst/>
+            </a:endParaRPr>
+          </a:p>
+          <a:p>
+            <a:pPr lvl="2"/>
+            <a:endParaRPr lang="en-US" dirty="0">
+              <a:effectLst/>
+            </a:endParaRPr>
+          </a:p>
+          <a:p>
+            <a:pPr lvl="2"/>
+            <a:endParaRPr lang="en-US" dirty="0" smtClean="0">
+              <a:effectLst/>
+            </a:endParaRPr>
+          </a:p>
+          <a:p>
+            <a:pPr lvl="2"/>
+            <a:endParaRPr lang="en-US" dirty="0">
+              <a:effectLst/>
+            </a:endParaRPr>
+          </a:p>
+          <a:p>
+            <a:pPr lvl="2"/>
+            <a:endParaRPr lang="en-US" dirty="0" smtClean="0">
+              <a:effectLst/>
+            </a:endParaRPr>
+          </a:p>
+          <a:p>
+            <a:pPr lvl="2"/>
+            <a:endParaRPr lang="en-US" dirty="0">
+              <a:effectLst/>
+            </a:endParaRPr>
+          </a:p>
+          <a:p>
+            <a:pPr lvl="2"/>
+            <a:endParaRPr lang="en-US" dirty="0" smtClean="0">
+              <a:effectLst/>
+            </a:endParaRPr>
+          </a:p>
+          <a:p>
+            <a:pPr marL="810000" lvl="2" indent="0">
+              <a:buNone/>
+            </a:pPr>
+            <a:endParaRPr lang="en-US" dirty="0" smtClean="0">
+              <a:effectLst/>
+            </a:endParaRPr>
+          </a:p>
+          <a:p>
+            <a:pPr lvl="2"/>
+            <a:r>
+              <a:rPr lang="en-US" dirty="0" smtClean="0">
+                <a:effectLst/>
+              </a:rPr>
+              <a:t>Run time Polymorphism</a:t>
+            </a:r>
+          </a:p>
+          <a:p>
+            <a:pPr lvl="3"/>
+            <a:r>
+              <a:rPr lang="en-US" dirty="0" smtClean="0">
+                <a:effectLst/>
+              </a:rPr>
+              <a:t>Method Overriding</a:t>
+            </a:r>
+            <a:endParaRPr lang="en-US" dirty="0" smtClean="0"/>
+          </a:p>
+          <a:p>
+            <a:pPr lvl="1"/>
+            <a:endParaRPr lang="en-US" dirty="0" smtClean="0"/>
+          </a:p>
+          <a:p>
+            <a:pPr marL="450000" lvl="1" indent="0">
+              <a:buNone/>
+            </a:pPr>
+            <a:endParaRPr lang="en-US" dirty="0"/>
+          </a:p>
+        </p:txBody>
+      </p:sp>
+      <p:pic>
+        <p:nvPicPr>
+          <p:cNvPr id="4" name="Picture 3"/>
+          <p:cNvPicPr>
+            <a:picLocks noChangeAspect="1"/>
+          </p:cNvPicPr>
+          <p:nvPr/>
+        </p:nvPicPr>
+        <p:blipFill>
+          <a:blip r:embed="rId2"/>
+          <a:stretch>
+            <a:fillRect/>
+          </a:stretch>
+        </p:blipFill>
+        <p:spPr>
+          <a:xfrm>
+            <a:off x="7236014" y="2403601"/>
+            <a:ext cx="2610514" cy="1010934"/>
+          </a:xfrm>
+          <a:prstGeom prst="rect">
+            <a:avLst/>
+          </a:prstGeom>
+        </p:spPr>
+      </p:pic>
+      <p:pic>
+        <p:nvPicPr>
+          <p:cNvPr id="5" name="Picture 4"/>
+          <p:cNvPicPr>
+            <a:picLocks noChangeAspect="1"/>
+          </p:cNvPicPr>
+          <p:nvPr/>
+        </p:nvPicPr>
+        <p:blipFill>
+          <a:blip r:embed="rId3"/>
+          <a:stretch>
+            <a:fillRect/>
+          </a:stretch>
+        </p:blipFill>
+        <p:spPr>
+          <a:xfrm>
+            <a:off x="7236013" y="3557239"/>
+            <a:ext cx="4268298" cy="3248649"/>
+          </a:xfrm>
+          <a:prstGeom prst="rect">
+            <a:avLst/>
+          </a:prstGeom>
+        </p:spPr>
+      </p:pic>
+    </p:spTree>
+    <p:extLst>
+      <p:ext uri="{BB962C8B-B14F-4D97-AF65-F5344CB8AC3E}">
+        <p14:creationId xmlns:p14="http://schemas.microsoft.com/office/powerpoint/2010/main" val="1472482266"/>
+      </p:ext>
+    </p:extLst>
+  </p:cSld>
+  <p:clrMapOvr>
+    <a:masterClrMapping/>
+  </p:clrMapOvr>
+  <mc:AlternateContent xmlns:mc="http://schemas.openxmlformats.org/markup-compatibility/2006" xmlns:p14="http://schemas.microsoft.com/office/powerpoint/2010/main">
+    <mc:Choice Requires="p14">
+      <p:transition spd="med" p14:dur="700">
+        <p:fade/>
+      </p:transition>
+    </mc:Choice>
+    <mc:Fallback xmlns="">
+      <p:transition spd="med">
+        <p:fade/>
+      </p:transition>
+    </mc:Fallback>
+  </mc:AlternateContent>
+  <p:timing>
+    <p:tnLst>
+      <p:par>
+        <p:cTn id="1" dur="indefinite" restart="never" nodeType="tmRoot"/>
+      </p:par>
+    </p:tnLst>
+  </p:timing>
+</p:sld>
+</file>
+
+<file path=ppt/slides/slide14.xml><?xml version="1.0" encoding="utf-8"?>
+<p:sld xmlns:a="http://schemas.openxmlformats.org/drawingml/2006/main" xmlns:r="http://schemas.openxmlformats.org/officeDocument/2006/relationships" xmlns:p="http://schemas.openxmlformats.org/presentationml/2006/main">
+  <p:cSld>
+    <p:spTree>
+      <p:nvGrpSpPr>
+        <p:cNvPr id="1" name=""/>
+        <p:cNvGrpSpPr/>
+        <p:nvPr/>
+      </p:nvGrpSpPr>
+      <p:grpSpPr>
+        <a:xfrm>
+          <a:off x="0" y="0"/>
+          <a:ext cx="0" cy="0"/>
+          <a:chOff x="0" y="0"/>
+          <a:chExt cx="0" cy="0"/>
+        </a:xfrm>
+      </p:grpSpPr>
+      <p:sp>
+        <p:nvSpPr>
+          <p:cNvPr id="2" name="Title 1"/>
+          <p:cNvSpPr>
+            <a:spLocks noGrp="1"/>
+          </p:cNvSpPr>
+          <p:nvPr>
+            <p:ph type="title"/>
+          </p:nvPr>
+        </p:nvSpPr>
+        <p:spPr/>
+        <p:txBody>
+          <a:bodyPr/>
+          <a:lstStyle/>
+          <a:p>
+            <a:r>
+              <a:rPr lang="en-US" dirty="0" smtClean="0"/>
+              <a:t>Inheritance</a:t>
+            </a:r>
+            <a:endParaRPr lang="en-US" dirty="0"/>
+          </a:p>
+        </p:txBody>
+      </p:sp>
+      <p:sp>
+        <p:nvSpPr>
+          <p:cNvPr id="3" name="Content Placeholder 2"/>
+          <p:cNvSpPr>
+            <a:spLocks noGrp="1"/>
+          </p:cNvSpPr>
+          <p:nvPr>
+            <p:ph idx="1"/>
+          </p:nvPr>
+        </p:nvSpPr>
+        <p:spPr/>
+        <p:txBody>
+          <a:bodyPr/>
+          <a:lstStyle/>
+          <a:p>
+            <a:r>
+              <a:rPr lang="en-US" dirty="0">
+                <a:effectLst/>
+              </a:rPr>
+              <a:t>Inheritance is the object oriented programming concept where an object is based on another object. </a:t>
+            </a:r>
+            <a:endParaRPr lang="en-US" dirty="0" smtClean="0">
+              <a:effectLst/>
+            </a:endParaRPr>
+          </a:p>
+          <a:p>
+            <a:r>
+              <a:rPr lang="en-US" dirty="0" smtClean="0">
+                <a:effectLst/>
+              </a:rPr>
+              <a:t>Inheritance </a:t>
+            </a:r>
+            <a:r>
+              <a:rPr lang="en-US" dirty="0">
+                <a:effectLst/>
+              </a:rPr>
+              <a:t>is the mechanism of code reuse. </a:t>
+            </a:r>
+            <a:endParaRPr lang="en-US" dirty="0" smtClean="0">
+              <a:effectLst/>
+            </a:endParaRPr>
+          </a:p>
+          <a:p>
+            <a:r>
+              <a:rPr lang="en-US" dirty="0" smtClean="0">
+                <a:effectLst/>
+              </a:rPr>
+              <a:t>The </a:t>
+            </a:r>
+            <a:r>
+              <a:rPr lang="en-US" dirty="0">
+                <a:effectLst/>
+              </a:rPr>
+              <a:t>object that is getting inherited is called superclass and the object that inherits the superclass is called subclass.</a:t>
+            </a:r>
+            <a:endParaRPr lang="en-US" dirty="0"/>
+          </a:p>
+        </p:txBody>
+      </p:sp>
+    </p:spTree>
+    <p:extLst>
+      <p:ext uri="{BB962C8B-B14F-4D97-AF65-F5344CB8AC3E}">
+        <p14:creationId xmlns:p14="http://schemas.microsoft.com/office/powerpoint/2010/main" val="1460875261"/>
+      </p:ext>
+    </p:extLst>
+  </p:cSld>
+  <p:clrMapOvr>
+    <a:masterClrMapping/>
+  </p:clrMapOvr>
+  <mc:AlternateContent xmlns:mc="http://schemas.openxmlformats.org/markup-compatibility/2006" xmlns:p14="http://schemas.microsoft.com/office/powerpoint/2010/main">
+    <mc:Choice Requires="p14">
+      <p:transition spd="med" p14:dur="700">
+        <p:fade/>
+      </p:transition>
+    </mc:Choice>
+    <mc:Fallback xmlns="">
+      <p:transition spd="med">
+        <p:fade/>
+      </p:transition>
+    </mc:Fallback>
+  </mc:AlternateContent>
+  <p:timing>
+    <p:tnLst>
+      <p:par>
+        <p:cTn id="1" dur="indefinite" restart="never" nodeType="tmRoot"/>
+      </p:par>
+    </p:tnLst>
+  </p:timing>
 </p:sld>
 </file>
 
@@ -3126,6 +5017,13 @@
       </p:transition>
     </mc:Fallback>
   </mc:AlternateContent>
+  <p:timing>
+    <p:tnLst>
+      <p:par>
+        <p:cTn id="1" dur="indefinite" restart="never" nodeType="tmRoot"/>
+      </p:par>
+    </p:tnLst>
+  </p:timing>
 </p:sld>
 </file>
 
@@ -3289,6 +5187,13 @@
       </p:transition>
     </mc:Fallback>
   </mc:AlternateContent>
+  <p:timing>
+    <p:tnLst>
+      <p:par>
+        <p:cTn id="1" dur="indefinite" restart="never" nodeType="tmRoot"/>
+      </p:par>
+    </p:tnLst>
+  </p:timing>
 </p:sld>
 </file>
 
@@ -3349,7 +5254,15 @@
           <a:p>
             <a:r>
               <a:rPr lang="en-US" dirty="0" smtClean="0"/>
-              <a:t>Write a method that calculated the minimum of two values</a:t>
+              <a:t>Write a method that </a:t>
+            </a:r>
+            <a:r>
+              <a:rPr lang="en-US" dirty="0" smtClean="0"/>
+              <a:t>calculates </a:t>
+            </a:r>
+            <a:r>
+              <a:rPr lang="en-US" dirty="0" smtClean="0"/>
+              <a:t>the minimum of two values</a:t>
             </a:r>
           </a:p>
           <a:p>
@@ -3396,6 +5309,13 @@
       </p:transition>
     </mc:Fallback>
   </mc:AlternateContent>
+  <p:timing>
+    <p:tnLst>
+      <p:par>
+        <p:cTn id="1" dur="indefinite" restart="never" nodeType="tmRoot"/>
+      </p:par>
+    </p:tnLst>
+  </p:timing>
 </p:sld>
 </file>
 
@@ -3504,6 +5424,13 @@
       </p:transition>
     </mc:Fallback>
   </mc:AlternateContent>
+  <p:timing>
+    <p:tnLst>
+      <p:par>
+        <p:cTn id="1" dur="indefinite" restart="never" nodeType="tmRoot"/>
+      </p:par>
+    </p:tnLst>
+  </p:timing>
 </p:sld>
 </file>
 
@@ -3541,7 +5468,11 @@
           <a:p>
             <a:r>
               <a:rPr lang="en-US" dirty="0" smtClean="0"/>
-              <a:t>Method Overloading</a:t>
+              <a:t>Method </a:t>
+            </a:r>
+            <a:r>
+              <a:rPr lang="en-US" dirty="0" smtClean="0"/>
+              <a:t>Overloading</a:t>
             </a:r>
             <a:endParaRPr lang="en-US" dirty="0"/>
           </a:p>
@@ -3625,6 +5556,13 @@
       </p:transition>
     </mc:Fallback>
   </mc:AlternateContent>
+  <p:timing>
+    <p:tnLst>
+      <p:par>
+        <p:cTn id="1" dur="indefinite" restart="never" nodeType="tmRoot"/>
+      </p:par>
+    </p:tnLst>
+  </p:timing>
 </p:sld>
 </file>
 
@@ -3665,8 +5603,8 @@
               <a:t>Method </a:t>
             </a:r>
             <a:r>
-              <a:rPr lang="en-US" dirty="0" err="1" smtClean="0"/>
-              <a:t>Overrloading</a:t>
+              <a:rPr lang="en-US" dirty="0" smtClean="0"/>
+              <a:t>Overloading</a:t>
             </a:r>
             <a:endParaRPr lang="en-US" dirty="0"/>
           </a:p>
@@ -3736,13 +5674,299 @@
       </p:transition>
     </mc:Fallback>
   </mc:AlternateContent>
+  <p:timing>
+    <p:tnLst>
+      <p:par>
+        <p:cTn id="1" dur="indefinite" restart="never" nodeType="tmRoot"/>
+      </p:par>
+    </p:tnLst>
+  </p:timing>
+</p:sld>
+</file>
+
+<file path=ppt/slides/slide8.xml><?xml version="1.0" encoding="utf-8"?>
+<p:sld xmlns:a="http://schemas.openxmlformats.org/drawingml/2006/main" xmlns:r="http://schemas.openxmlformats.org/officeDocument/2006/relationships" xmlns:p="http://schemas.openxmlformats.org/presentationml/2006/main">
+  <p:cSld>
+    <p:spTree>
+      <p:nvGrpSpPr>
+        <p:cNvPr id="1" name=""/>
+        <p:cNvGrpSpPr/>
+        <p:nvPr/>
+      </p:nvGrpSpPr>
+      <p:grpSpPr>
+        <a:xfrm>
+          <a:off x="0" y="0"/>
+          <a:ext cx="0" cy="0"/>
+          <a:chOff x="0" y="0"/>
+          <a:chExt cx="0" cy="0"/>
+        </a:xfrm>
+      </p:grpSpPr>
+      <p:sp>
+        <p:nvSpPr>
+          <p:cNvPr id="2" name="Title 1"/>
+          <p:cNvSpPr>
+            <a:spLocks noGrp="1"/>
+          </p:cNvSpPr>
+          <p:nvPr>
+            <p:ph type="title"/>
+          </p:nvPr>
+        </p:nvSpPr>
+        <p:spPr/>
+        <p:txBody>
+          <a:bodyPr/>
+          <a:lstStyle/>
+          <a:p>
+            <a:r>
+              <a:rPr lang="en-US" dirty="0" err="1" smtClean="0"/>
+              <a:t>Mehtod</a:t>
+            </a:r>
+            <a:r>
+              <a:rPr lang="en-US" dirty="0" smtClean="0"/>
+              <a:t> Overriding</a:t>
+            </a:r>
+            <a:endParaRPr lang="en-US" dirty="0"/>
+          </a:p>
+        </p:txBody>
+      </p:sp>
+      <p:sp>
+        <p:nvSpPr>
+          <p:cNvPr id="3" name="Content Placeholder 2"/>
+          <p:cNvSpPr>
+            <a:spLocks noGrp="1"/>
+          </p:cNvSpPr>
+          <p:nvPr>
+            <p:ph idx="1"/>
+          </p:nvPr>
+        </p:nvSpPr>
+        <p:spPr/>
+        <p:txBody>
+          <a:bodyPr/>
+          <a:lstStyle/>
+          <a:p>
+            <a:r>
+              <a:rPr lang="en-US" dirty="0">
+                <a:effectLst/>
+              </a:rPr>
+              <a:t>Overriding is a feature that allows a subclass or child class to provide a specific implementation of a method that is already provided by one of its super-classes or parent classes. </a:t>
+            </a:r>
+            <a:endParaRPr lang="en-US" dirty="0" smtClean="0">
+              <a:effectLst/>
+            </a:endParaRPr>
+          </a:p>
+          <a:p>
+            <a:endParaRPr lang="en-US" dirty="0"/>
+          </a:p>
+        </p:txBody>
+      </p:sp>
+    </p:spTree>
+    <p:extLst>
+      <p:ext uri="{BB962C8B-B14F-4D97-AF65-F5344CB8AC3E}">
+        <p14:creationId xmlns:p14="http://schemas.microsoft.com/office/powerpoint/2010/main" val="189343955"/>
+      </p:ext>
+    </p:extLst>
+  </p:cSld>
+  <p:clrMapOvr>
+    <a:masterClrMapping/>
+  </p:clrMapOvr>
+  <mc:AlternateContent xmlns:mc="http://schemas.openxmlformats.org/markup-compatibility/2006" xmlns:p14="http://schemas.microsoft.com/office/powerpoint/2010/main">
+    <mc:Choice Requires="p14">
+      <p:transition spd="med" p14:dur="700">
+        <p:fade/>
+      </p:transition>
+    </mc:Choice>
+    <mc:Fallback xmlns="">
+      <p:transition spd="med">
+        <p:fade/>
+      </p:transition>
+    </mc:Fallback>
+  </mc:AlternateContent>
+  <p:timing>
+    <p:tnLst>
+      <p:par>
+        <p:cTn id="1" dur="indefinite" restart="never" nodeType="tmRoot"/>
+      </p:par>
+    </p:tnLst>
+  </p:timing>
+</p:sld>
+</file>
+
+<file path=ppt/slides/slide9.xml><?xml version="1.0" encoding="utf-8"?>
+<p:sld xmlns:a="http://schemas.openxmlformats.org/drawingml/2006/main" xmlns:r="http://schemas.openxmlformats.org/officeDocument/2006/relationships" xmlns:p="http://schemas.openxmlformats.org/presentationml/2006/main">
+  <p:cSld>
+    <p:spTree>
+      <p:nvGrpSpPr>
+        <p:cNvPr id="1" name=""/>
+        <p:cNvGrpSpPr/>
+        <p:nvPr/>
+      </p:nvGrpSpPr>
+      <p:grpSpPr>
+        <a:xfrm>
+          <a:off x="0" y="0"/>
+          <a:ext cx="0" cy="0"/>
+          <a:chOff x="0" y="0"/>
+          <a:chExt cx="0" cy="0"/>
+        </a:xfrm>
+      </p:grpSpPr>
+      <p:sp>
+        <p:nvSpPr>
+          <p:cNvPr id="2" name="Title 1"/>
+          <p:cNvSpPr>
+            <a:spLocks noGrp="1"/>
+          </p:cNvSpPr>
+          <p:nvPr>
+            <p:ph type="title"/>
+          </p:nvPr>
+        </p:nvSpPr>
+        <p:spPr>
+          <a:xfrm>
+            <a:off x="913795" y="401150"/>
+            <a:ext cx="10353762" cy="970450"/>
+          </a:xfrm>
+        </p:spPr>
+        <p:txBody>
+          <a:bodyPr/>
+          <a:lstStyle/>
+          <a:p>
+            <a:r>
+              <a:rPr lang="en-US" dirty="0" smtClean="0"/>
+              <a:t>Overriding: Rules…	</a:t>
+            </a:r>
+            <a:endParaRPr lang="en-US" dirty="0"/>
+          </a:p>
+        </p:txBody>
+      </p:sp>
+      <p:sp>
+        <p:nvSpPr>
+          <p:cNvPr id="3" name="Content Placeholder 2"/>
+          <p:cNvSpPr>
+            <a:spLocks noGrp="1"/>
+          </p:cNvSpPr>
+          <p:nvPr>
+            <p:ph idx="1"/>
+          </p:nvPr>
+        </p:nvSpPr>
+        <p:spPr>
+          <a:xfrm>
+            <a:off x="300478" y="1371600"/>
+            <a:ext cx="4416488" cy="5219922"/>
+          </a:xfrm>
+        </p:spPr>
+        <p:txBody>
+          <a:bodyPr/>
+          <a:lstStyle/>
+          <a:p>
+            <a:r>
+              <a:rPr lang="en-US" b="1" dirty="0">
+                <a:effectLst/>
+              </a:rPr>
+              <a:t>Final methods can not be </a:t>
+            </a:r>
+            <a:r>
+              <a:rPr lang="en-US" b="1" dirty="0" smtClean="0">
+                <a:effectLst/>
+              </a:rPr>
+              <a:t>overridden</a:t>
+            </a:r>
+          </a:p>
+          <a:p>
+            <a:r>
+              <a:rPr lang="en-US" b="1" dirty="0">
+                <a:effectLst/>
+              </a:rPr>
+              <a:t>Static methods can not be </a:t>
+            </a:r>
+            <a:r>
+              <a:rPr lang="en-US" b="1" dirty="0" smtClean="0">
+                <a:effectLst/>
+              </a:rPr>
+              <a:t>overridden</a:t>
+            </a:r>
+          </a:p>
+          <a:p>
+            <a:r>
+              <a:rPr lang="en-US" b="1" dirty="0">
+                <a:effectLst/>
+              </a:rPr>
+              <a:t>Private methods can not be </a:t>
+            </a:r>
+            <a:r>
+              <a:rPr lang="en-US" b="1" dirty="0" smtClean="0">
+                <a:effectLst/>
+              </a:rPr>
+              <a:t>overridden</a:t>
+            </a:r>
+          </a:p>
+          <a:p>
+            <a:r>
+              <a:rPr lang="en-US" b="1" dirty="0">
+                <a:effectLst/>
+              </a:rPr>
+              <a:t>The overriding method must have same return type</a:t>
+            </a:r>
+            <a:endParaRPr lang="en-US" dirty="0"/>
+          </a:p>
+        </p:txBody>
+      </p:sp>
+      <p:pic>
+        <p:nvPicPr>
+          <p:cNvPr id="4" name="Picture 3"/>
+          <p:cNvPicPr>
+            <a:picLocks noChangeAspect="1"/>
+          </p:cNvPicPr>
+          <p:nvPr/>
+        </p:nvPicPr>
+        <p:blipFill>
+          <a:blip r:embed="rId2"/>
+          <a:stretch>
+            <a:fillRect/>
+          </a:stretch>
+        </p:blipFill>
+        <p:spPr>
+          <a:xfrm>
+            <a:off x="4583152" y="1371600"/>
+            <a:ext cx="7409976" cy="5219922"/>
+          </a:xfrm>
+          <a:prstGeom prst="rect">
+            <a:avLst/>
+          </a:prstGeom>
+        </p:spPr>
+      </p:pic>
+    </p:spTree>
+    <p:extLst>
+      <p:ext uri="{BB962C8B-B14F-4D97-AF65-F5344CB8AC3E}">
+        <p14:creationId xmlns:p14="http://schemas.microsoft.com/office/powerpoint/2010/main" val="1480722704"/>
+      </p:ext>
+    </p:extLst>
+  </p:cSld>
+  <p:clrMapOvr>
+    <a:masterClrMapping/>
+  </p:clrMapOvr>
+  <mc:AlternateContent xmlns:mc="http://schemas.openxmlformats.org/markup-compatibility/2006" xmlns:p14="http://schemas.microsoft.com/office/powerpoint/2010/main">
+    <mc:Choice Requires="p14">
+      <p:transition spd="med" p14:dur="700">
+        <p:fade/>
+      </p:transition>
+    </mc:Choice>
+    <mc:Fallback xmlns="">
+      <p:transition spd="med">
+        <p:fade/>
+      </p:transition>
+    </mc:Fallback>
+  </mc:AlternateContent>
+  <p:timing>
+    <p:tnLst>
+      <p:par>
+        <p:cTn id="1" dur="indefinite" restart="never" nodeType="tmRoot"/>
+      </p:par>
+    </p:tnLst>
+  </p:timing>
 </p:sld>
 </file>
 
 <file path=ppt/theme/theme1.xml><?xml version="1.0" encoding="utf-8"?>
-<a:theme xmlns:a="http://schemas.openxmlformats.org/drawingml/2006/main" name="Office Theme">
+<a:theme xmlns:a="http://schemas.openxmlformats.org/drawingml/2006/main" name="Theme1">
   <a:themeElements>
-    <a:clrScheme name="Office">
+    <a:clrScheme name="Woodgrain_16x9">
       <a:dk1>
         <a:sysClr val="windowText" lastClr="000000"/>
       </a:dk1>
@@ -3750,109 +5974,49 @@
         <a:sysClr val="window" lastClr="FFFFFF"/>
       </a:lt1>
       <a:dk2>
-        <a:srgbClr val="44546A"/>
+        <a:srgbClr val="90B365"/>
       </a:dk2>
       <a:lt2>
-        <a:srgbClr val="E7E6E6"/>
+        <a:srgbClr val="EEECE1"/>
       </a:lt2>
       <a:accent1>
-        <a:srgbClr val="5B9BD5"/>
+        <a:srgbClr val="4283D2"/>
       </a:accent1>
       <a:accent2>
-        <a:srgbClr val="ED7D31"/>
+        <a:srgbClr val="6E9D35"/>
       </a:accent2>
       <a:accent3>
-        <a:srgbClr val="A5A5A5"/>
+        <a:srgbClr val="DE6742"/>
       </a:accent3>
       <a:accent4>
-        <a:srgbClr val="FFC000"/>
+        <a:srgbClr val="8F73DF"/>
       </a:accent4>
       <a:accent5>
-        <a:srgbClr val="4472C4"/>
+        <a:srgbClr val="CB991B"/>
       </a:accent5>
       <a:accent6>
-        <a:srgbClr val="70AD47"/>
+        <a:srgbClr val="7F7F7F"/>
       </a:accent6>
       <a:hlink>
-        <a:srgbClr val="0563C1"/>
+        <a:srgbClr val="90B365"/>
       </a:hlink>
       <a:folHlink>
-        <a:srgbClr val="954F72"/>
+        <a:srgbClr val="7F7F7F"/>
       </a:folHlink>
     </a:clrScheme>
-    <a:fontScheme name="Office">
+    <a:fontScheme name="Century">
       <a:majorFont>
-        <a:latin typeface="Calibri Light" panose="020F0302020204030204"/>
+        <a:latin typeface="Century"/>
         <a:ea typeface=""/>
         <a:cs typeface=""/>
-        <a:font script="Jpan" typeface="游ゴシック Light"/>
-        <a:font script="Hang" typeface="맑은 고딕"/>
-        <a:font script="Hans" typeface="等线 Light"/>
-        <a:font script="Hant" typeface="新細明體"/>
-        <a:font script="Arab" typeface="Times New Roman"/>
-        <a:font script="Hebr" typeface="Times New Roman"/>
-        <a:font script="Thai" typeface="Angsana New"/>
-        <a:font script="Ethi" typeface="Nyala"/>
-        <a:font script="Beng" typeface="Vrinda"/>
-        <a:font script="Gujr" typeface="Shruti"/>
-        <a:font script="Khmr" typeface="MoolBoran"/>
-        <a:font script="Knda" typeface="Tunga"/>
-        <a:font script="Guru" typeface="Raavi"/>
-        <a:font script="Cans" typeface="Euphemia"/>
-        <a:font script="Cher" typeface="Plantagenet Cherokee"/>
-        <a:font script="Yiii" typeface="Microsoft Yi Baiti"/>
-        <a:font script="Tibt" typeface="Microsoft Himalaya"/>
-        <a:font script="Thaa" typeface="MV Boli"/>
-        <a:font script="Deva" typeface="Mangal"/>
-        <a:font script="Telu" typeface="Gautami"/>
-        <a:font script="Taml" typeface="Latha"/>
-        <a:font script="Syrc" typeface="Estrangelo Edessa"/>
-        <a:font script="Orya" typeface="Kalinga"/>
-        <a:font script="Mlym" typeface="Kartika"/>
-        <a:font script="Laoo" typeface="DokChampa"/>
-        <a:font script="Sinh" typeface="Iskoola Pota"/>
-        <a:font script="Mong" typeface="Mongolian Baiti"/>
-        <a:font script="Viet" typeface="Times New Roman"/>
-        <a:font script="Uigh" typeface="Microsoft Uighur"/>
-        <a:font script="Geor" typeface="Sylfaen"/>
       </a:majorFont>
       <a:minorFont>
-        <a:latin typeface="Calibri" panose="020F0502020204030204"/>
+        <a:latin typeface="Century"/>
         <a:ea typeface=""/>
         <a:cs typeface=""/>
-        <a:font script="Jpan" typeface="游ゴシック"/>
-        <a:font script="Hang" typeface="맑은 고딕"/>
-        <a:font script="Hans" typeface="等线"/>
-        <a:font script="Hant" typeface="新細明體"/>
-        <a:font script="Arab" typeface="Arial"/>
-        <a:font script="Hebr" typeface="Arial"/>
-        <a:font script="Thai" typeface="Cordia New"/>
-        <a:font script="Ethi" typeface="Nyala"/>
-        <a:font script="Beng" typeface="Vrinda"/>
-        <a:font script="Gujr" typeface="Shruti"/>
-        <a:font script="Khmr" typeface="DaunPenh"/>
-        <a:font script="Knda" typeface="Tunga"/>
-        <a:font script="Guru" typeface="Raavi"/>
-        <a:font script="Cans" typeface="Euphemia"/>
-        <a:font script="Cher" typeface="Plantagenet Cherokee"/>
-        <a:font script="Yiii" typeface="Microsoft Yi Baiti"/>
-        <a:font script="Tibt" typeface="Microsoft Himalaya"/>
-        <a:font script="Thaa" typeface="MV Boli"/>
-        <a:font script="Deva" typeface="Mangal"/>
-        <a:font script="Telu" typeface="Gautami"/>
-        <a:font script="Taml" typeface="Latha"/>
-        <a:font script="Syrc" typeface="Estrangelo Edessa"/>
-        <a:font script="Orya" typeface="Kalinga"/>
-        <a:font script="Mlym" typeface="Kartika"/>
-        <a:font script="Laoo" typeface="DokChampa"/>
-        <a:font script="Sinh" typeface="Iskoola Pota"/>
-        <a:font script="Mong" typeface="Mongolian Baiti"/>
-        <a:font script="Viet" typeface="Arial"/>
-        <a:font script="Uigh" typeface="Microsoft Uighur"/>
-        <a:font script="Geor" typeface="Sylfaen"/>
       </a:minorFont>
     </a:fontScheme>
-    <a:fmtScheme name="Office">
+    <a:fmtScheme name="Elemental">
       <a:fillStyleLst>
         <a:solidFill>
           <a:schemeClr val="phClr"/>
@@ -3861,93 +6025,116 @@
           <a:gsLst>
             <a:gs pos="0">
               <a:schemeClr val="phClr">
-                <a:lumMod val="110000"/>
-                <a:satMod val="105000"/>
-                <a:tint val="67000"/>
+                <a:tint val="90000"/>
               </a:schemeClr>
             </a:gs>
-            <a:gs pos="50000">
+            <a:gs pos="48000">
               <a:schemeClr val="phClr">
-                <a:lumMod val="105000"/>
-                <a:satMod val="103000"/>
-                <a:tint val="73000"/>
+                <a:tint val="54000"/>
+                <a:satMod val="140000"/>
               </a:schemeClr>
             </a:gs>
             <a:gs pos="100000">
               <a:schemeClr val="phClr">
-                <a:lumMod val="105000"/>
-                <a:satMod val="109000"/>
-                <a:tint val="81000"/>
+                <a:tint val="24000"/>
+                <a:satMod val="260000"/>
               </a:schemeClr>
             </a:gs>
           </a:gsLst>
-          <a:lin ang="5400000" scaled="0"/>
+          <a:lin ang="16200000" scaled="1"/>
         </a:gradFill>
         <a:gradFill rotWithShape="1">
           <a:gsLst>
             <a:gs pos="0">
+              <a:schemeClr val="phClr"/>
+            </a:gs>
+            <a:gs pos="100000">
               <a:schemeClr val="phClr">
-                <a:satMod val="103000"/>
-                <a:lumMod val="102000"/>
-                <a:tint val="94000"/>
-              </a:schemeClr>
-            </a:gs>
-            <a:gs pos="50000">
-              <a:schemeClr val="phClr">
-                <a:satMod val="110000"/>
-                <a:lumMod val="100000"/>
-                <a:shade val="100000"/>
+                <a:shade val="48000"/>
+                <a:satMod val="180000"/>
+                <a:lumMod val="94000"/>
               </a:schemeClr>
             </a:gs>
             <a:gs pos="100000">
               <a:schemeClr val="phClr">
-                <a:lumMod val="99000"/>
-                <a:satMod val="120000"/>
-                <a:shade val="78000"/>
+                <a:shade val="48000"/>
+                <a:satMod val="180000"/>
+                <a:lumMod val="94000"/>
               </a:schemeClr>
             </a:gs>
           </a:gsLst>
-          <a:lin ang="5400000" scaled="0"/>
+          <a:lin ang="4140000" scaled="1"/>
         </a:gradFill>
       </a:fillStyleLst>
       <a:lnStyleLst>
-        <a:ln w="6350" cap="flat" cmpd="sng" algn="ctr">
-          <a:solidFill>
-            <a:schemeClr val="phClr"/>
-          </a:solidFill>
-          <a:prstDash val="solid"/>
-          <a:miter lim="800000"/>
-        </a:ln>
         <a:ln w="12700" cap="flat" cmpd="sng" algn="ctr">
           <a:solidFill>
             <a:schemeClr val="phClr"/>
           </a:solidFill>
           <a:prstDash val="solid"/>
-          <a:miter lim="800000"/>
         </a:ln>
         <a:ln w="19050" cap="flat" cmpd="sng" algn="ctr">
           <a:solidFill>
             <a:schemeClr val="phClr"/>
           </a:solidFill>
           <a:prstDash val="solid"/>
-          <a:miter lim="800000"/>
+        </a:ln>
+        <a:ln w="28575" cap="flat" cmpd="sng" algn="ctr">
+          <a:solidFill>
+            <a:schemeClr val="phClr"/>
+          </a:solidFill>
+          <a:prstDash val="solid"/>
         </a:ln>
       </a:lnStyleLst>
       <a:effectStyleLst>
         <a:effectStyle>
-          <a:effectLst/>
-        </a:effectStyle>
-        <a:effectStyle>
-          <a:effectLst/>
+          <a:effectLst>
+            <a:outerShdw blurRad="63500" dist="12700" dir="5400000" sx="102000" sy="102000" rotWithShape="0">
+              <a:srgbClr val="000000">
+                <a:alpha val="32000"/>
+              </a:srgbClr>
+            </a:outerShdw>
+          </a:effectLst>
         </a:effectStyle>
         <a:effectStyle>
           <a:effectLst>
-            <a:outerShdw blurRad="57150" dist="19050" dir="5400000" algn="ctr" rotWithShape="0">
+            <a:outerShdw blurRad="76200" dist="38100" dir="5400000" rotWithShape="0">
               <a:srgbClr val="000000">
-                <a:alpha val="63000"/>
+                <a:alpha val="60000"/>
               </a:srgbClr>
             </a:outerShdw>
           </a:effectLst>
+          <a:scene3d>
+            <a:camera prst="orthographicFront">
+              <a:rot lat="0" lon="0" rev="0"/>
+            </a:camera>
+            <a:lightRig rig="threePt" dir="tl">
+              <a:rot lat="0" lon="0" rev="19800000"/>
+            </a:lightRig>
+          </a:scene3d>
+          <a:sp3d prstMaterial="plastic">
+            <a:bevelT w="25400" h="19050"/>
+          </a:sp3d>
+        </a:effectStyle>
+        <a:effectStyle>
+          <a:effectLst>
+            <a:outerShdw blurRad="114300" dist="114300" dir="5400000" rotWithShape="0">
+              <a:srgbClr val="000000">
+                <a:alpha val="70000"/>
+              </a:srgbClr>
+            </a:outerShdw>
+          </a:effectLst>
+          <a:scene3d>
+            <a:camera prst="orthographicFront">
+              <a:rot lat="0" lon="0" rev="0"/>
+            </a:camera>
+            <a:lightRig rig="threePt" dir="t">
+              <a:rot lat="0" lon="0" rev="19800000"/>
+            </a:lightRig>
+          </a:scene3d>
+          <a:sp3d prstMaterial="plastic">
+            <a:bevelT w="38100" h="31750"/>
+          </a:sp3d>
         </a:effectStyle>
       </a:effectStyleLst>
       <a:bgFillStyleLst>
@@ -3965,16 +6152,16 @@
             <a:gs pos="0">
               <a:schemeClr val="phClr">
                 <a:tint val="93000"/>
+                <a:shade val="98000"/>
                 <a:satMod val="150000"/>
-                <a:shade val="98000"/>
                 <a:lumMod val="102000"/>
               </a:schemeClr>
             </a:gs>
             <a:gs pos="50000">
               <a:schemeClr val="phClr">
                 <a:tint val="98000"/>
+                <a:shade val="90000"/>
                 <a:satMod val="130000"/>
-                <a:shade val="90000"/>
                 <a:lumMod val="103000"/>
               </a:schemeClr>
             </a:gs>
@@ -3994,7 +6181,7 @@
   <a:extraClrSchemeLst/>
   <a:extLst>
     <a:ext uri="{05A4C25C-085E-4340-85A3-A5531E510DB2}">
-      <thm15:themeFamily xmlns:thm15="http://schemas.microsoft.com/office/thememl/2012/main" name="Office Theme" id="{62F939B6-93AF-4DB8-9C6B-D6C7DFDC589F}" vid="{4A3C46E8-61CC-4603-A589-7422A47A8E4A}"/>
+      <thm15:themeFamily xmlns:thm15="http://schemas.microsoft.com/office/thememl/2012/main" name="Theme1" id="{9ECCC314-D9BD-4695-84D0-2459EF5038EF}" vid="{384C69C2-6B3C-4C3C-A39F-5B8356BB4847}"/>
     </a:ext>
   </a:extLst>
 </a:theme>
